--- a/윤민호 발표.pptx
+++ b/윤민호 발표.pptx
@@ -7,30 +7,31 @@
   <p:sldIdLst>
     <p:sldId id="256" r:id="rId2"/>
     <p:sldId id="257" r:id="rId3"/>
-    <p:sldId id="258" r:id="rId4"/>
-    <p:sldId id="259" r:id="rId5"/>
-    <p:sldId id="260" r:id="rId6"/>
-    <p:sldId id="278" r:id="rId7"/>
-    <p:sldId id="279" r:id="rId8"/>
-    <p:sldId id="280" r:id="rId9"/>
-    <p:sldId id="262" r:id="rId10"/>
-    <p:sldId id="265" r:id="rId11"/>
-    <p:sldId id="266" r:id="rId12"/>
-    <p:sldId id="263" r:id="rId13"/>
-    <p:sldId id="267" r:id="rId14"/>
-    <p:sldId id="268" r:id="rId15"/>
-    <p:sldId id="269" r:id="rId16"/>
-    <p:sldId id="270" r:id="rId17"/>
-    <p:sldId id="271" r:id="rId18"/>
-    <p:sldId id="272" r:id="rId19"/>
-    <p:sldId id="264" r:id="rId20"/>
-    <p:sldId id="273" r:id="rId21"/>
-    <p:sldId id="261" r:id="rId22"/>
-    <p:sldId id="274" r:id="rId23"/>
-    <p:sldId id="275" r:id="rId24"/>
-    <p:sldId id="276" r:id="rId25"/>
-    <p:sldId id="277" r:id="rId26"/>
-    <p:sldId id="281" r:id="rId27"/>
+    <p:sldId id="282" r:id="rId4"/>
+    <p:sldId id="258" r:id="rId5"/>
+    <p:sldId id="259" r:id="rId6"/>
+    <p:sldId id="260" r:id="rId7"/>
+    <p:sldId id="278" r:id="rId8"/>
+    <p:sldId id="279" r:id="rId9"/>
+    <p:sldId id="280" r:id="rId10"/>
+    <p:sldId id="262" r:id="rId11"/>
+    <p:sldId id="265" r:id="rId12"/>
+    <p:sldId id="266" r:id="rId13"/>
+    <p:sldId id="263" r:id="rId14"/>
+    <p:sldId id="267" r:id="rId15"/>
+    <p:sldId id="268" r:id="rId16"/>
+    <p:sldId id="269" r:id="rId17"/>
+    <p:sldId id="270" r:id="rId18"/>
+    <p:sldId id="271" r:id="rId19"/>
+    <p:sldId id="272" r:id="rId20"/>
+    <p:sldId id="264" r:id="rId21"/>
+    <p:sldId id="273" r:id="rId22"/>
+    <p:sldId id="261" r:id="rId23"/>
+    <p:sldId id="274" r:id="rId24"/>
+    <p:sldId id="275" r:id="rId25"/>
+    <p:sldId id="276" r:id="rId26"/>
+    <p:sldId id="277" r:id="rId27"/>
+    <p:sldId id="281" r:id="rId28"/>
   </p:sldIdLst>
   <p:sldSz cx="12192000" cy="6858000"/>
   <p:notesSz cx="6858000" cy="9144000"/>
@@ -3976,6 +3977,256 @@
               </a:lnSpc>
             </a:pPr>
             <a:r>
+              <a:rPr lang="en-US" altLang="ko-KR" dirty="0" smtClean="0">
+                <a:latin typeface="나눔스퀘어라운드 Bold" panose="020B0600000101010101" pitchFamily="50" charset="-127"/>
+                <a:ea typeface="나눔스퀘어라운드 Bold" panose="020B0600000101010101" pitchFamily="50" charset="-127"/>
+              </a:rPr>
+              <a:t>- </a:t>
+            </a:r>
+            <a:r>
+              <a:rPr lang="ko-KR" altLang="en-US" dirty="0" smtClean="0">
+                <a:latin typeface="나눔스퀘어라운드 Bold" panose="020B0600000101010101" pitchFamily="50" charset="-127"/>
+                <a:ea typeface="나눔스퀘어라운드 Bold" panose="020B0600000101010101" pitchFamily="50" charset="-127"/>
+              </a:rPr>
+              <a:t>주문 중 재고관리 </a:t>
+            </a:r>
+            <a:r>
+              <a:rPr lang="en-US" altLang="ko-KR" dirty="0" smtClean="0">
+                <a:latin typeface="나눔스퀘어라운드 Bold" panose="020B0600000101010101" pitchFamily="50" charset="-127"/>
+                <a:ea typeface="나눔스퀘어라운드 Bold" panose="020B0600000101010101" pitchFamily="50" charset="-127"/>
+              </a:rPr>
+              <a:t>: </a:t>
+            </a:r>
+            <a:r>
+              <a:rPr lang="ko-KR" altLang="en-US" dirty="0" smtClean="0">
+                <a:latin typeface="나눔스퀘어라운드 Bold" panose="020B0600000101010101" pitchFamily="50" charset="-127"/>
+                <a:ea typeface="나눔스퀘어라운드 Bold" panose="020B0600000101010101" pitchFamily="50" charset="-127"/>
+              </a:rPr>
+              <a:t>사용자가 주문서를 작성하고 있는데 다른 사용자가 먼저 구매해서 재고가 부족해진다면</a:t>
+            </a:r>
+            <a:r>
+              <a:rPr lang="en-US" altLang="ko-KR" dirty="0" smtClean="0">
+                <a:latin typeface="나눔스퀘어라운드 Bold" panose="020B0600000101010101" pitchFamily="50" charset="-127"/>
+                <a:ea typeface="나눔스퀘어라운드 Bold" panose="020B0600000101010101" pitchFamily="50" charset="-127"/>
+              </a:rPr>
+              <a:t>?</a:t>
+            </a:r>
+          </a:p>
+          <a:p>
+            <a:pPr>
+              <a:lnSpc>
+                <a:spcPct val="150000"/>
+              </a:lnSpc>
+            </a:pPr>
+            <a:endParaRPr lang="en-US" altLang="ko-KR" dirty="0">
+              <a:latin typeface="나눔스퀘어라운드 Bold" panose="020B0600000101010101" pitchFamily="50" charset="-127"/>
+              <a:ea typeface="나눔스퀘어라운드 Bold" panose="020B0600000101010101" pitchFamily="50" charset="-127"/>
+            </a:endParaRPr>
+          </a:p>
+          <a:p>
+            <a:pPr>
+              <a:lnSpc>
+                <a:spcPct val="150000"/>
+              </a:lnSpc>
+            </a:pPr>
+            <a:r>
+              <a:rPr lang="en-US" altLang="ko-KR" dirty="0" smtClean="0">
+                <a:latin typeface="나눔스퀘어라운드 Bold" panose="020B0600000101010101" pitchFamily="50" charset="-127"/>
+                <a:ea typeface="나눔스퀘어라운드 Bold" panose="020B0600000101010101" pitchFamily="50" charset="-127"/>
+              </a:rPr>
+              <a:t>    1</a:t>
+            </a:r>
+            <a:r>
+              <a:rPr lang="en-US" altLang="ko-KR" dirty="0">
+                <a:latin typeface="나눔스퀘어라운드 Bold" panose="020B0600000101010101" pitchFamily="50" charset="-127"/>
+                <a:ea typeface="나눔스퀘어라운드 Bold" panose="020B0600000101010101" pitchFamily="50" charset="-127"/>
+              </a:rPr>
+              <a:t>) </a:t>
+            </a:r>
+            <a:r>
+              <a:rPr lang="ko-KR" altLang="en-US" dirty="0" smtClean="0">
+                <a:latin typeface="나눔스퀘어라운드 Bold" panose="020B0600000101010101" pitchFamily="50" charset="-127"/>
+                <a:ea typeface="나눔스퀘어라운드 Bold" panose="020B0600000101010101" pitchFamily="50" charset="-127"/>
+              </a:rPr>
+              <a:t>주문 </a:t>
+            </a:r>
+            <a:r>
+              <a:rPr lang="ko-KR" altLang="en-US" dirty="0">
+                <a:latin typeface="나눔스퀘어라운드 Bold" panose="020B0600000101010101" pitchFamily="50" charset="-127"/>
+                <a:ea typeface="나눔스퀘어라운드 Bold" panose="020B0600000101010101" pitchFamily="50" charset="-127"/>
+              </a:rPr>
+              <a:t>실패로 진행할 것인가</a:t>
+            </a:r>
+            <a:r>
+              <a:rPr lang="en-US" altLang="ko-KR" dirty="0">
+                <a:latin typeface="나눔스퀘어라운드 Bold" panose="020B0600000101010101" pitchFamily="50" charset="-127"/>
+                <a:ea typeface="나눔스퀘어라운드 Bold" panose="020B0600000101010101" pitchFamily="50" charset="-127"/>
+              </a:rPr>
+              <a:t>?</a:t>
+            </a:r>
+            <a:r>
+              <a:rPr lang="ko-KR" altLang="en-US" dirty="0">
+                <a:latin typeface="나눔스퀘어라운드 Bold" panose="020B0600000101010101" pitchFamily="50" charset="-127"/>
+                <a:ea typeface="나눔스퀘어라운드 Bold" panose="020B0600000101010101" pitchFamily="50" charset="-127"/>
+              </a:rPr>
+              <a:t/>
+            </a:r>
+            <a:br>
+              <a:rPr lang="ko-KR" altLang="en-US" dirty="0">
+                <a:latin typeface="나눔스퀘어라운드 Bold" panose="020B0600000101010101" pitchFamily="50" charset="-127"/>
+                <a:ea typeface="나눔스퀘어라운드 Bold" panose="020B0600000101010101" pitchFamily="50" charset="-127"/>
+              </a:rPr>
+            </a:br>
+            <a:r>
+              <a:rPr lang="ko-KR" altLang="en-US" dirty="0" smtClean="0">
+                <a:latin typeface="나눔스퀘어라운드 Bold" panose="020B0600000101010101" pitchFamily="50" charset="-127"/>
+                <a:ea typeface="나눔스퀘어라운드 Bold" panose="020B0600000101010101" pitchFamily="50" charset="-127"/>
+              </a:rPr>
+              <a:t>    </a:t>
+            </a:r>
+            <a:r>
+              <a:rPr lang="en-US" altLang="ko-KR" dirty="0" smtClean="0">
+                <a:latin typeface="나눔스퀘어라운드 Bold" panose="020B0600000101010101" pitchFamily="50" charset="-127"/>
+                <a:ea typeface="나눔스퀘어라운드 Bold" panose="020B0600000101010101" pitchFamily="50" charset="-127"/>
+              </a:rPr>
+              <a:t>2</a:t>
+            </a:r>
+            <a:r>
+              <a:rPr lang="en-US" altLang="ko-KR" dirty="0">
+                <a:latin typeface="나눔스퀘어라운드 Bold" panose="020B0600000101010101" pitchFamily="50" charset="-127"/>
+                <a:ea typeface="나눔스퀘어라운드 Bold" panose="020B0600000101010101" pitchFamily="50" charset="-127"/>
+              </a:rPr>
+              <a:t>) </a:t>
+            </a:r>
+            <a:r>
+              <a:rPr lang="ko-KR" altLang="en-US" dirty="0">
+                <a:latin typeface="나눔스퀘어라운드 Bold" panose="020B0600000101010101" pitchFamily="50" charset="-127"/>
+                <a:ea typeface="나눔스퀘어라운드 Bold" panose="020B0600000101010101" pitchFamily="50" charset="-127"/>
+              </a:rPr>
+              <a:t>아니면 </a:t>
+            </a:r>
+            <a:r>
+              <a:rPr lang="ko-KR" altLang="en-US" dirty="0" smtClean="0">
+                <a:latin typeface="나눔스퀘어라운드 Bold" panose="020B0600000101010101" pitchFamily="50" charset="-127"/>
+                <a:ea typeface="나눔스퀘어라운드 Bold" panose="020B0600000101010101" pitchFamily="50" charset="-127"/>
+              </a:rPr>
+              <a:t>미리 남은 재고를 수정해 놓고 주문서를 작성할 것인가</a:t>
+            </a:r>
+            <a:r>
+              <a:rPr lang="en-US" altLang="ko-KR" dirty="0" smtClean="0">
+                <a:latin typeface="나눔스퀘어라운드 Bold" panose="020B0600000101010101" pitchFamily="50" charset="-127"/>
+                <a:ea typeface="나눔스퀘어라운드 Bold" panose="020B0600000101010101" pitchFamily="50" charset="-127"/>
+              </a:rPr>
+              <a:t>?</a:t>
+            </a:r>
+          </a:p>
+          <a:p>
+            <a:pPr>
+              <a:lnSpc>
+                <a:spcPct val="150000"/>
+              </a:lnSpc>
+            </a:pPr>
+            <a:endParaRPr lang="ko-KR" altLang="en-US" dirty="0">
+              <a:latin typeface="나눔스퀘어라운드 Bold" panose="020B0600000101010101" pitchFamily="50" charset="-127"/>
+              <a:ea typeface="나눔스퀘어라운드 Bold" panose="020B0600000101010101" pitchFamily="50" charset="-127"/>
+            </a:endParaRPr>
+          </a:p>
+        </p:txBody>
+      </p:sp>
+    </p:spTree>
+    <p:extLst>
+      <p:ext uri="{BB962C8B-B14F-4D97-AF65-F5344CB8AC3E}">
+        <p14:creationId xmlns:p14="http://schemas.microsoft.com/office/powerpoint/2010/main" val="3006112203"/>
+      </p:ext>
+    </p:extLst>
+  </p:cSld>
+  <p:clrMapOvr>
+    <a:masterClrMapping/>
+  </p:clrMapOvr>
+  <p:timing>
+    <p:tnLst>
+      <p:par>
+        <p:cTn id="1" dur="indefinite" restart="never" nodeType="tmRoot"/>
+      </p:par>
+    </p:tnLst>
+  </p:timing>
+</p:sld>
+</file>
+
+<file path=ppt/slides/slide11.xml><?xml version="1.0" encoding="utf-8"?>
+<p:sld xmlns:a="http://schemas.openxmlformats.org/drawingml/2006/main" xmlns:r="http://schemas.openxmlformats.org/officeDocument/2006/relationships" xmlns:p="http://schemas.openxmlformats.org/presentationml/2006/main">
+  <p:cSld>
+    <p:spTree>
+      <p:nvGrpSpPr>
+        <p:cNvPr id="1" name=""/>
+        <p:cNvGrpSpPr/>
+        <p:nvPr/>
+      </p:nvGrpSpPr>
+      <p:grpSpPr>
+        <a:xfrm>
+          <a:off x="0" y="0"/>
+          <a:ext cx="0" cy="0"/>
+          <a:chOff x="0" y="0"/>
+          <a:chExt cx="0" cy="0"/>
+        </a:xfrm>
+      </p:grpSpPr>
+      <p:sp>
+        <p:nvSpPr>
+          <p:cNvPr id="7" name="제목 6"/>
+          <p:cNvSpPr>
+            <a:spLocks noGrp="1"/>
+          </p:cNvSpPr>
+          <p:nvPr>
+            <p:ph type="title"/>
+          </p:nvPr>
+        </p:nvSpPr>
+        <p:spPr/>
+        <p:txBody>
+          <a:bodyPr/>
+          <a:lstStyle/>
+          <a:p>
+            <a:r>
+              <a:rPr lang="en-US" altLang="ko-KR" b="1" dirty="0" smtClean="0">
+                <a:latin typeface="나눔스퀘어라운드 Bold" panose="020B0600000101010101" pitchFamily="50" charset="-127"/>
+                <a:ea typeface="나눔스퀘어라운드 Bold" panose="020B0600000101010101" pitchFamily="50" charset="-127"/>
+              </a:rPr>
+              <a:t>2. </a:t>
+            </a:r>
+            <a:r>
+              <a:rPr lang="ko-KR" altLang="en-US" b="1" dirty="0" err="1">
+                <a:latin typeface="나눔스퀘어라운드 Bold" panose="020B0600000101010101" pitchFamily="50" charset="-127"/>
+                <a:ea typeface="나눔스퀘어라운드 Bold" panose="020B0600000101010101" pitchFamily="50" charset="-127"/>
+              </a:rPr>
+              <a:t>고민했던것들</a:t>
+            </a:r>
+            <a:endParaRPr lang="en-US" altLang="ko-KR" b="1" dirty="0">
+              <a:latin typeface="나눔스퀘어라운드 Bold" panose="020B0600000101010101" pitchFamily="50" charset="-127"/>
+              <a:ea typeface="나눔스퀘어라운드 Bold" panose="020B0600000101010101" pitchFamily="50" charset="-127"/>
+            </a:endParaRPr>
+          </a:p>
+        </p:txBody>
+      </p:sp>
+      <p:sp>
+        <p:nvSpPr>
+          <p:cNvPr id="2" name="내용 개체 틀 1"/>
+          <p:cNvSpPr>
+            <a:spLocks noGrp="1"/>
+          </p:cNvSpPr>
+          <p:nvPr>
+            <p:ph idx="1"/>
+          </p:nvPr>
+        </p:nvSpPr>
+        <p:spPr/>
+        <p:txBody>
+          <a:bodyPr/>
+          <a:lstStyle/>
+          <a:p>
+            <a:pPr>
+              <a:lnSpc>
+                <a:spcPct val="150000"/>
+              </a:lnSpc>
+            </a:pPr>
+            <a:r>
               <a:rPr lang="ko-KR" altLang="en-US" dirty="0">
                 <a:latin typeface="나눔스퀘어라운드 Bold" panose="020B0600000101010101" pitchFamily="50" charset="-127"/>
                 <a:ea typeface="나눔스퀘어라운드 Bold" panose="020B0600000101010101" pitchFamily="50" charset="-127"/>
@@ -4117,10 +4368,17 @@
   <p:clrMapOvr>
     <a:masterClrMapping/>
   </p:clrMapOvr>
+  <p:timing>
+    <p:tnLst>
+      <p:par>
+        <p:cTn id="1" dur="indefinite" restart="never" nodeType="tmRoot"/>
+      </p:par>
+    </p:tnLst>
+  </p:timing>
 </p:sld>
 </file>
 
-<file path=ppt/slides/slide11.xml><?xml version="1.0" encoding="utf-8"?>
+<file path=ppt/slides/slide12.xml><?xml version="1.0" encoding="utf-8"?>
 <p:sld xmlns:a="http://schemas.openxmlformats.org/drawingml/2006/main" xmlns:r="http://schemas.openxmlformats.org/officeDocument/2006/relationships" xmlns:p="http://schemas.openxmlformats.org/presentationml/2006/main">
   <p:cSld>
     <p:spTree>
@@ -4245,6 +4503,12 @@
             </a:pPr>
             <a:r>
               <a:rPr lang="ko-KR" altLang="en-US" sz="2000" dirty="0">
+                <a:solidFill>
+                  <a:schemeClr val="tx1">
+                    <a:lumMod val="75000"/>
+                    <a:lumOff val="25000"/>
+                  </a:schemeClr>
+                </a:solidFill>
                 <a:latin typeface="나눔스퀘어라운드 Bold" panose="020B0600000101010101" pitchFamily="50" charset="-127"/>
                 <a:ea typeface="나눔스퀘어라운드 Bold" panose="020B0600000101010101" pitchFamily="50" charset="-127"/>
               </a:rPr>
@@ -4263,10 +4527,17 @@
   <p:clrMapOvr>
     <a:masterClrMapping/>
   </p:clrMapOvr>
+  <p:timing>
+    <p:tnLst>
+      <p:par>
+        <p:cTn id="1" dur="indefinite" restart="never" nodeType="tmRoot"/>
+      </p:par>
+    </p:tnLst>
+  </p:timing>
 </p:sld>
 </file>
 
-<file path=ppt/slides/slide12.xml><?xml version="1.0" encoding="utf-8"?>
+<file path=ppt/slides/slide13.xml><?xml version="1.0" encoding="utf-8"?>
 <p:sld xmlns:a="http://schemas.openxmlformats.org/drawingml/2006/main" xmlns:r="http://schemas.openxmlformats.org/officeDocument/2006/relationships" xmlns:p="http://schemas.openxmlformats.org/presentationml/2006/main">
   <p:cSld>
     <p:spTree>
@@ -4394,10 +4665,17 @@
   <p:clrMapOvr>
     <a:masterClrMapping/>
   </p:clrMapOvr>
+  <p:timing>
+    <p:tnLst>
+      <p:par>
+        <p:cTn id="1" dur="indefinite" restart="never" nodeType="tmRoot"/>
+      </p:par>
+    </p:tnLst>
+  </p:timing>
 </p:sld>
 </file>
 
-<file path=ppt/slides/slide13.xml><?xml version="1.0" encoding="utf-8"?>
+<file path=ppt/slides/slide14.xml><?xml version="1.0" encoding="utf-8"?>
 <p:sld xmlns:a="http://schemas.openxmlformats.org/drawingml/2006/main" xmlns:r="http://schemas.openxmlformats.org/officeDocument/2006/relationships" xmlns:p="http://schemas.openxmlformats.org/presentationml/2006/main">
   <p:cSld>
     <p:spTree>
@@ -4661,10 +4939,17 @@
   <p:clrMapOvr>
     <a:masterClrMapping/>
   </p:clrMapOvr>
+  <p:timing>
+    <p:tnLst>
+      <p:par>
+        <p:cTn id="1" dur="indefinite" restart="never" nodeType="tmRoot"/>
+      </p:par>
+    </p:tnLst>
+  </p:timing>
 </p:sld>
 </file>
 
-<file path=ppt/slides/slide14.xml><?xml version="1.0" encoding="utf-8"?>
+<file path=ppt/slides/slide15.xml><?xml version="1.0" encoding="utf-8"?>
 <p:sld xmlns:a="http://schemas.openxmlformats.org/drawingml/2006/main" xmlns:r="http://schemas.openxmlformats.org/officeDocument/2006/relationships" xmlns:p="http://schemas.openxmlformats.org/presentationml/2006/main">
   <p:cSld>
     <p:spTree>
@@ -4805,10 +5090,17 @@
   <p:clrMapOvr>
     <a:masterClrMapping/>
   </p:clrMapOvr>
+  <p:timing>
+    <p:tnLst>
+      <p:par>
+        <p:cTn id="1" dur="indefinite" restart="never" nodeType="tmRoot"/>
+      </p:par>
+    </p:tnLst>
+  </p:timing>
 </p:sld>
 </file>
 
-<file path=ppt/slides/slide15.xml><?xml version="1.0" encoding="utf-8"?>
+<file path=ppt/slides/slide16.xml><?xml version="1.0" encoding="utf-8"?>
 <p:sld xmlns:a="http://schemas.openxmlformats.org/drawingml/2006/main" xmlns:r="http://schemas.openxmlformats.org/officeDocument/2006/relationships" xmlns:p="http://schemas.openxmlformats.org/presentationml/2006/main">
   <p:cSld>
     <p:spTree>
@@ -4931,10 +5223,17 @@
   <p:clrMapOvr>
     <a:masterClrMapping/>
   </p:clrMapOvr>
+  <p:timing>
+    <p:tnLst>
+      <p:par>
+        <p:cTn id="1" dur="indefinite" restart="never" nodeType="tmRoot"/>
+      </p:par>
+    </p:tnLst>
+  </p:timing>
 </p:sld>
 </file>
 
-<file path=ppt/slides/slide16.xml><?xml version="1.0" encoding="utf-8"?>
+<file path=ppt/slides/slide17.xml><?xml version="1.0" encoding="utf-8"?>
 <p:sld xmlns:a="http://schemas.openxmlformats.org/drawingml/2006/main" xmlns:r="http://schemas.openxmlformats.org/officeDocument/2006/relationships" xmlns:p="http://schemas.openxmlformats.org/presentationml/2006/main">
   <p:cSld>
     <p:spTree>
@@ -5023,10 +5322,17 @@
   <p:clrMapOvr>
     <a:masterClrMapping/>
   </p:clrMapOvr>
+  <p:timing>
+    <p:tnLst>
+      <p:par>
+        <p:cTn id="1" dur="indefinite" restart="never" nodeType="tmRoot"/>
+      </p:par>
+    </p:tnLst>
+  </p:timing>
 </p:sld>
 </file>
 
-<file path=ppt/slides/slide17.xml><?xml version="1.0" encoding="utf-8"?>
+<file path=ppt/slides/slide18.xml><?xml version="1.0" encoding="utf-8"?>
 <p:sld xmlns:a="http://schemas.openxmlformats.org/drawingml/2006/main" xmlns:r="http://schemas.openxmlformats.org/officeDocument/2006/relationships" xmlns:p="http://schemas.openxmlformats.org/presentationml/2006/main">
   <p:cSld>
     <p:spTree>
@@ -5115,10 +5421,17 @@
   <p:clrMapOvr>
     <a:masterClrMapping/>
   </p:clrMapOvr>
+  <p:timing>
+    <p:tnLst>
+      <p:par>
+        <p:cTn id="1" dur="indefinite" restart="never" nodeType="tmRoot"/>
+      </p:par>
+    </p:tnLst>
+  </p:timing>
 </p:sld>
 </file>
 
-<file path=ppt/slides/slide18.xml><?xml version="1.0" encoding="utf-8"?>
+<file path=ppt/slides/slide19.xml><?xml version="1.0" encoding="utf-8"?>
 <p:sld xmlns:a="http://schemas.openxmlformats.org/drawingml/2006/main" xmlns:r="http://schemas.openxmlformats.org/officeDocument/2006/relationships" xmlns:p="http://schemas.openxmlformats.org/presentationml/2006/main">
   <p:cSld>
     <p:spTree>
@@ -5207,371 +5520,13 @@
   <p:clrMapOvr>
     <a:masterClrMapping/>
   </p:clrMapOvr>
-</p:sld>
-</file>
-
-<file path=ppt/slides/slide19.xml><?xml version="1.0" encoding="utf-8"?>
-<p:sld xmlns:a="http://schemas.openxmlformats.org/drawingml/2006/main" xmlns:r="http://schemas.openxmlformats.org/officeDocument/2006/relationships" xmlns:p="http://schemas.openxmlformats.org/presentationml/2006/main">
-  <p:cSld>
-    <p:spTree>
-      <p:nvGrpSpPr>
-        <p:cNvPr id="1" name=""/>
-        <p:cNvGrpSpPr/>
-        <p:nvPr/>
-      </p:nvGrpSpPr>
-      <p:grpSpPr>
-        <a:xfrm>
-          <a:off x="0" y="0"/>
-          <a:ext cx="0" cy="0"/>
-          <a:chOff x="0" y="0"/>
-          <a:chExt cx="0" cy="0"/>
-        </a:xfrm>
-      </p:grpSpPr>
-      <p:sp>
-        <p:nvSpPr>
-          <p:cNvPr id="7" name="제목 6"/>
-          <p:cNvSpPr>
-            <a:spLocks noGrp="1"/>
-          </p:cNvSpPr>
-          <p:nvPr>
-            <p:ph type="title"/>
-          </p:nvPr>
-        </p:nvSpPr>
-        <p:spPr/>
-        <p:txBody>
-          <a:bodyPr/>
-          <a:lstStyle/>
-          <a:p>
-            <a:r>
-              <a:rPr lang="en-US" altLang="ko-KR" b="1" dirty="0" smtClean="0">
-                <a:latin typeface="나눔스퀘어라운드 Bold" panose="020B0600000101010101" pitchFamily="50" charset="-127"/>
-                <a:ea typeface="나눔스퀘어라운드 Bold" panose="020B0600000101010101" pitchFamily="50" charset="-127"/>
-              </a:rPr>
-              <a:t>2. </a:t>
-            </a:r>
-            <a:r>
-              <a:rPr lang="ko-KR" altLang="en-US" b="1" dirty="0" err="1">
-                <a:latin typeface="나눔스퀘어라운드 Bold" panose="020B0600000101010101" pitchFamily="50" charset="-127"/>
-                <a:ea typeface="나눔스퀘어라운드 Bold" panose="020B0600000101010101" pitchFamily="50" charset="-127"/>
-              </a:rPr>
-              <a:t>고민했던것들</a:t>
-            </a:r>
-            <a:endParaRPr lang="en-US" altLang="ko-KR" b="1" dirty="0">
-              <a:latin typeface="나눔스퀘어라운드 Bold" panose="020B0600000101010101" pitchFamily="50" charset="-127"/>
-              <a:ea typeface="나눔스퀘어라운드 Bold" panose="020B0600000101010101" pitchFamily="50" charset="-127"/>
-            </a:endParaRPr>
-          </a:p>
-        </p:txBody>
-      </p:sp>
-      <p:sp>
-        <p:nvSpPr>
-          <p:cNvPr id="2" name="내용 개체 틀 1"/>
-          <p:cNvSpPr>
-            <a:spLocks noGrp="1"/>
-          </p:cNvSpPr>
-          <p:nvPr>
-            <p:ph idx="1"/>
-          </p:nvPr>
-        </p:nvSpPr>
-        <p:spPr/>
-        <p:txBody>
-          <a:bodyPr/>
-          <a:lstStyle/>
-          <a:p>
-            <a:pPr marL="0" indent="0">
-              <a:lnSpc>
-                <a:spcPct val="150000"/>
-              </a:lnSpc>
-              <a:buNone/>
-            </a:pPr>
-            <a:r>
-              <a:rPr lang="ko-KR" altLang="en-US" dirty="0" smtClean="0">
-                <a:latin typeface="나눔스퀘어라운드 Bold" panose="020B0600000101010101" pitchFamily="50" charset="-127"/>
-                <a:ea typeface="나눔스퀘어라운드 Bold" panose="020B0600000101010101" pitchFamily="50" charset="-127"/>
-              </a:rPr>
-              <a:t> </a:t>
-            </a:r>
-            <a:r>
-              <a:rPr lang="en-US" altLang="ko-KR" dirty="0" smtClean="0">
-                <a:latin typeface="나눔스퀘어라운드 Bold" panose="020B0600000101010101" pitchFamily="50" charset="-127"/>
-                <a:ea typeface="나눔스퀘어라운드 Bold" panose="020B0600000101010101" pitchFamily="50" charset="-127"/>
-              </a:rPr>
-              <a:t>- </a:t>
-            </a:r>
-            <a:r>
-              <a:rPr lang="ko-KR" altLang="en-US" dirty="0" smtClean="0">
-                <a:latin typeface="나눔스퀘어라운드 Bold" panose="020B0600000101010101" pitchFamily="50" charset="-127"/>
-                <a:ea typeface="나눔스퀘어라운드 Bold" panose="020B0600000101010101" pitchFamily="50" charset="-127"/>
-              </a:rPr>
-              <a:t>장바구니 </a:t>
-            </a:r>
-            <a:r>
-              <a:rPr lang="en-US" altLang="ko-KR" dirty="0" smtClean="0">
-                <a:latin typeface="나눔스퀘어라운드 Bold" panose="020B0600000101010101" pitchFamily="50" charset="-127"/>
-                <a:ea typeface="나눔스퀘어라운드 Bold" panose="020B0600000101010101" pitchFamily="50" charset="-127"/>
-              </a:rPr>
-              <a:t>: </a:t>
-            </a:r>
-            <a:r>
-              <a:rPr lang="ko-KR" altLang="en-US" dirty="0" smtClean="0">
-                <a:latin typeface="나눔스퀘어라운드 Bold" panose="020B0600000101010101" pitchFamily="50" charset="-127"/>
-                <a:ea typeface="나눔스퀘어라운드 Bold" panose="020B0600000101010101" pitchFamily="50" charset="-127"/>
-              </a:rPr>
-              <a:t>비회원에 대한 장바구니 관리는 어떻게 할 것인가</a:t>
-            </a:r>
-            <a:r>
-              <a:rPr lang="en-US" altLang="ko-KR" dirty="0" smtClean="0">
-                <a:latin typeface="나눔스퀘어라운드 Bold" panose="020B0600000101010101" pitchFamily="50" charset="-127"/>
-                <a:ea typeface="나눔스퀘어라운드 Bold" panose="020B0600000101010101" pitchFamily="50" charset="-127"/>
-              </a:rPr>
-              <a:t>?</a:t>
-            </a:r>
-          </a:p>
-          <a:p>
-            <a:pPr marL="201168" lvl="1" indent="0">
-              <a:lnSpc>
-                <a:spcPct val="150000"/>
-              </a:lnSpc>
-              <a:buNone/>
-            </a:pPr>
-            <a:endParaRPr lang="en-US" altLang="ko-KR" dirty="0" smtClean="0">
-              <a:latin typeface="나눔스퀘어라운드 Bold" panose="020B0600000101010101" pitchFamily="50" charset="-127"/>
-              <a:ea typeface="나눔스퀘어라운드 Bold" panose="020B0600000101010101" pitchFamily="50" charset="-127"/>
-            </a:endParaRPr>
-          </a:p>
-          <a:p>
-            <a:pPr marL="201168" lvl="1" indent="0">
-              <a:lnSpc>
-                <a:spcPct val="100000"/>
-              </a:lnSpc>
-              <a:buNone/>
-            </a:pPr>
-            <a:r>
-              <a:rPr lang="ko-KR" altLang="en-US" sz="2000" dirty="0" smtClean="0">
-                <a:latin typeface="나눔스퀘어라운드 Bold" panose="020B0600000101010101" pitchFamily="50" charset="-127"/>
-                <a:ea typeface="나눔스퀘어라운드 Bold" panose="020B0600000101010101" pitchFamily="50" charset="-127"/>
-              </a:rPr>
-              <a:t>    처음에는 </a:t>
-            </a:r>
-            <a:r>
-              <a:rPr lang="ko-KR" altLang="en-US" sz="2000" dirty="0">
-                <a:latin typeface="나눔스퀘어라운드 Bold" panose="020B0600000101010101" pitchFamily="50" charset="-127"/>
-                <a:ea typeface="나눔스퀘어라운드 Bold" panose="020B0600000101010101" pitchFamily="50" charset="-127"/>
-              </a:rPr>
-              <a:t>회원 테이블과 비슷하게 비회원 테이블을 만들어 </a:t>
-            </a:r>
-            <a:r>
-              <a:rPr lang="ko-KR" altLang="en-US" sz="2000" dirty="0" smtClean="0">
-                <a:latin typeface="나눔스퀘어라운드 Bold" panose="020B0600000101010101" pitchFamily="50" charset="-127"/>
-                <a:ea typeface="나눔스퀘어라운드 Bold" panose="020B0600000101010101" pitchFamily="50" charset="-127"/>
-              </a:rPr>
-              <a:t>관리하고</a:t>
-            </a:r>
-            <a:endParaRPr lang="en-US" altLang="ko-KR" sz="2000" dirty="0">
-              <a:latin typeface="나눔스퀘어라운드 Bold" panose="020B0600000101010101" pitchFamily="50" charset="-127"/>
-              <a:ea typeface="나눔스퀘어라운드 Bold" panose="020B0600000101010101" pitchFamily="50" charset="-127"/>
-            </a:endParaRPr>
-          </a:p>
-          <a:p>
-            <a:pPr marL="201168" lvl="1" indent="0">
-              <a:lnSpc>
-                <a:spcPct val="100000"/>
-              </a:lnSpc>
-              <a:buNone/>
-            </a:pPr>
-            <a:r>
-              <a:rPr lang="ko-KR" altLang="en-US" sz="2000" dirty="0" smtClean="0">
-                <a:latin typeface="나눔스퀘어라운드 Bold" panose="020B0600000101010101" pitchFamily="50" charset="-127"/>
-                <a:ea typeface="나눔스퀘어라운드 Bold" panose="020B0600000101010101" pitchFamily="50" charset="-127"/>
-              </a:rPr>
-              <a:t>    비회원으로 </a:t>
-            </a:r>
-            <a:r>
-              <a:rPr lang="ko-KR" altLang="en-US" sz="2000" dirty="0">
-                <a:latin typeface="나눔스퀘어라운드 Bold" panose="020B0600000101010101" pitchFamily="50" charset="-127"/>
-                <a:ea typeface="나눔스퀘어라운드 Bold" panose="020B0600000101010101" pitchFamily="50" charset="-127"/>
-              </a:rPr>
-              <a:t>로그인하면 비회원 장바구니를 볼 수 있는 것을 </a:t>
-            </a:r>
-            <a:r>
-              <a:rPr lang="ko-KR" altLang="en-US" sz="2000" dirty="0" smtClean="0">
-                <a:latin typeface="나눔스퀘어라운드 Bold" panose="020B0600000101010101" pitchFamily="50" charset="-127"/>
-                <a:ea typeface="나눔스퀘어라운드 Bold" panose="020B0600000101010101" pitchFamily="50" charset="-127"/>
-              </a:rPr>
-              <a:t>생각했지만</a:t>
-            </a:r>
-            <a:endParaRPr lang="en-US" altLang="ko-KR" sz="2000" dirty="0" smtClean="0">
-              <a:latin typeface="나눔스퀘어라운드 Bold" panose="020B0600000101010101" pitchFamily="50" charset="-127"/>
-              <a:ea typeface="나눔스퀘어라운드 Bold" panose="020B0600000101010101" pitchFamily="50" charset="-127"/>
-            </a:endParaRPr>
-          </a:p>
-          <a:p>
-            <a:pPr marL="201168" lvl="1" indent="0">
-              <a:lnSpc>
-                <a:spcPct val="100000"/>
-              </a:lnSpc>
-              <a:buNone/>
-            </a:pPr>
-            <a:endParaRPr lang="en-US" altLang="ko-KR" sz="2000" dirty="0" smtClean="0">
-              <a:latin typeface="나눔스퀘어라운드 Bold" panose="020B0600000101010101" pitchFamily="50" charset="-127"/>
-              <a:ea typeface="나눔스퀘어라운드 Bold" panose="020B0600000101010101" pitchFamily="50" charset="-127"/>
-            </a:endParaRPr>
-          </a:p>
-          <a:p>
-            <a:pPr marL="384048" lvl="2" indent="0">
-              <a:lnSpc>
-                <a:spcPct val="100000"/>
-              </a:lnSpc>
-              <a:buNone/>
-            </a:pPr>
-            <a:r>
-              <a:rPr lang="en-US" altLang="ko-KR" sz="2000" dirty="0" smtClean="0">
-                <a:latin typeface="나눔스퀘어라운드 Bold" panose="020B0600000101010101" pitchFamily="50" charset="-127"/>
-                <a:ea typeface="나눔스퀘어라운드 Bold" panose="020B0600000101010101" pitchFamily="50" charset="-127"/>
-              </a:rPr>
-              <a:t>         "</a:t>
-            </a:r>
-            <a:r>
-              <a:rPr lang="ko-KR" altLang="en-US" sz="2000" dirty="0" smtClean="0">
-                <a:latin typeface="나눔스퀘어라운드 Bold" panose="020B0600000101010101" pitchFamily="50" charset="-127"/>
-                <a:ea typeface="나눔스퀘어라운드 Bold" panose="020B0600000101010101" pitchFamily="50" charset="-127"/>
-              </a:rPr>
-              <a:t>이럴 거면 </a:t>
-            </a:r>
-            <a:r>
-              <a:rPr lang="ko-KR" altLang="en-US" sz="2000" dirty="0">
-                <a:latin typeface="나눔스퀘어라운드 Bold" panose="020B0600000101010101" pitchFamily="50" charset="-127"/>
-                <a:ea typeface="나눔스퀘어라운드 Bold" panose="020B0600000101010101" pitchFamily="50" charset="-127"/>
-              </a:rPr>
-              <a:t>그냥 회원가입을 해서 사용하는 것과 무슨 차이인가</a:t>
-            </a:r>
-            <a:r>
-              <a:rPr lang="en-US" altLang="ko-KR" sz="2000" dirty="0">
-                <a:latin typeface="나눔스퀘어라운드 Bold" panose="020B0600000101010101" pitchFamily="50" charset="-127"/>
-                <a:ea typeface="나눔스퀘어라운드 Bold" panose="020B0600000101010101" pitchFamily="50" charset="-127"/>
-              </a:rPr>
-              <a:t>?"</a:t>
-            </a:r>
-            <a:r>
-              <a:rPr lang="ko-KR" altLang="en-US" sz="2000" dirty="0">
-                <a:latin typeface="나눔스퀘어라운드 Bold" panose="020B0600000101010101" pitchFamily="50" charset="-127"/>
-                <a:ea typeface="나눔스퀘어라운드 Bold" panose="020B0600000101010101" pitchFamily="50" charset="-127"/>
-              </a:rPr>
-              <a:t> 라는 생각이 </a:t>
-            </a:r>
-            <a:r>
-              <a:rPr lang="ko-KR" altLang="en-US" sz="2000" dirty="0" smtClean="0">
-                <a:latin typeface="나눔스퀘어라운드 Bold" panose="020B0600000101010101" pitchFamily="50" charset="-127"/>
-                <a:ea typeface="나눔스퀘어라운드 Bold" panose="020B0600000101010101" pitchFamily="50" charset="-127"/>
-              </a:rPr>
-              <a:t>들어서</a:t>
-            </a:r>
-            <a:endParaRPr lang="en-US" altLang="ko-KR" sz="2000" dirty="0" smtClean="0">
-              <a:latin typeface="나눔스퀘어라운드 Bold" panose="020B0600000101010101" pitchFamily="50" charset="-127"/>
-              <a:ea typeface="나눔스퀘어라운드 Bold" panose="020B0600000101010101" pitchFamily="50" charset="-127"/>
-            </a:endParaRPr>
-          </a:p>
-          <a:p>
-            <a:pPr marL="384048" lvl="2" indent="0">
-              <a:lnSpc>
-                <a:spcPct val="100000"/>
-              </a:lnSpc>
-              <a:buNone/>
-            </a:pPr>
-            <a:r>
-              <a:rPr lang="en-US" altLang="ko-KR" sz="2000" dirty="0" smtClean="0">
-                <a:latin typeface="나눔스퀘어라운드 Bold" panose="020B0600000101010101" pitchFamily="50" charset="-127"/>
-                <a:ea typeface="나눔스퀘어라운드 Bold" panose="020B0600000101010101" pitchFamily="50" charset="-127"/>
-              </a:rPr>
-              <a:t>         "</a:t>
-            </a:r>
-            <a:r>
-              <a:rPr lang="ko-KR" altLang="en-US" sz="2000" dirty="0">
-                <a:latin typeface="나눔스퀘어라운드 Bold" panose="020B0600000101010101" pitchFamily="50" charset="-127"/>
-                <a:ea typeface="나눔스퀘어라운드 Bold" panose="020B0600000101010101" pitchFamily="50" charset="-127"/>
-              </a:rPr>
-              <a:t>비회원식별</a:t>
-            </a:r>
-            <a:r>
-              <a:rPr lang="en-US" altLang="ko-KR" sz="2000" dirty="0">
-                <a:latin typeface="나눔스퀘어라운드 Bold" panose="020B0600000101010101" pitchFamily="50" charset="-127"/>
-                <a:ea typeface="나눔스퀘어라운드 Bold" panose="020B0600000101010101" pitchFamily="50" charset="-127"/>
-              </a:rPr>
-              <a:t>" </a:t>
-            </a:r>
-            <a:r>
-              <a:rPr lang="ko-KR" altLang="en-US" sz="2000" dirty="0" err="1">
-                <a:latin typeface="나눔스퀘어라운드 Bold" panose="020B0600000101010101" pitchFamily="50" charset="-127"/>
-                <a:ea typeface="나눔스퀘어라운드 Bold" panose="020B0600000101010101" pitchFamily="50" charset="-127"/>
-              </a:rPr>
-              <a:t>컬럼을</a:t>
-            </a:r>
-            <a:r>
-              <a:rPr lang="ko-KR" altLang="en-US" sz="2000" dirty="0">
-                <a:latin typeface="나눔스퀘어라운드 Bold" panose="020B0600000101010101" pitchFamily="50" charset="-127"/>
-                <a:ea typeface="나눔스퀘어라운드 Bold" panose="020B0600000101010101" pitchFamily="50" charset="-127"/>
-              </a:rPr>
-              <a:t> 만들고 </a:t>
-            </a:r>
-            <a:r>
-              <a:rPr lang="en-US" altLang="ko-KR" sz="2000" dirty="0" smtClean="0">
-                <a:latin typeface="나눔스퀘어라운드 Bold" panose="020B0600000101010101" pitchFamily="50" charset="-127"/>
-                <a:ea typeface="나눔스퀘어라운드 Bold" panose="020B0600000101010101" pitchFamily="50" charset="-127"/>
-              </a:rPr>
-              <a:t>30</a:t>
-            </a:r>
-            <a:r>
-              <a:rPr lang="ko-KR" altLang="en-US" sz="2000" dirty="0" smtClean="0">
-                <a:latin typeface="나눔스퀘어라운드 Bold" panose="020B0600000101010101" pitchFamily="50" charset="-127"/>
-                <a:ea typeface="나눔스퀘어라운드 Bold" panose="020B0600000101010101" pitchFamily="50" charset="-127"/>
-              </a:rPr>
-              <a:t>일 동안 </a:t>
-            </a:r>
-            <a:r>
-              <a:rPr lang="ko-KR" altLang="en-US" sz="2000" dirty="0">
-                <a:latin typeface="나눔스퀘어라운드 Bold" panose="020B0600000101010101" pitchFamily="50" charset="-127"/>
-                <a:ea typeface="나눔스퀘어라운드 Bold" panose="020B0600000101010101" pitchFamily="50" charset="-127"/>
-              </a:rPr>
-              <a:t>조회를 </a:t>
-            </a:r>
-            <a:r>
-              <a:rPr lang="ko-KR" altLang="en-US" sz="2000" dirty="0" smtClean="0">
-                <a:latin typeface="나눔스퀘어라운드 Bold" panose="020B0600000101010101" pitchFamily="50" charset="-127"/>
-                <a:ea typeface="나눔스퀘어라운드 Bold" panose="020B0600000101010101" pitchFamily="50" charset="-127"/>
-              </a:rPr>
-              <a:t>안 하면 </a:t>
-            </a:r>
-            <a:r>
-              <a:rPr lang="ko-KR" altLang="en-US" sz="2000" dirty="0">
-                <a:latin typeface="나눔스퀘어라운드 Bold" panose="020B0600000101010101" pitchFamily="50" charset="-127"/>
-                <a:ea typeface="나눔스퀘어라운드 Bold" panose="020B0600000101010101" pitchFamily="50" charset="-127"/>
-              </a:rPr>
-              <a:t>삭제되도록 만들었음</a:t>
-            </a:r>
-          </a:p>
-          <a:p>
-            <a:pPr>
-              <a:lnSpc>
-                <a:spcPct val="150000"/>
-              </a:lnSpc>
-            </a:pPr>
-            <a:endParaRPr lang="ko-KR" altLang="en-US" dirty="0">
-              <a:latin typeface="나눔스퀘어라운드 Bold" panose="020B0600000101010101" pitchFamily="50" charset="-127"/>
-              <a:ea typeface="나눔스퀘어라운드 Bold" panose="020B0600000101010101" pitchFamily="50" charset="-127"/>
-            </a:endParaRPr>
-          </a:p>
-        </p:txBody>
-      </p:sp>
-    </p:spTree>
-    <p:extLst>
-      <p:ext uri="{BB962C8B-B14F-4D97-AF65-F5344CB8AC3E}">
-        <p14:creationId xmlns:p14="http://schemas.microsoft.com/office/powerpoint/2010/main" val="1498878432"/>
-      </p:ext>
-    </p:extLst>
-  </p:cSld>
-  <p:clrMapOvr>
-    <a:masterClrMapping/>
-  </p:clrMapOvr>
+  <p:timing>
+    <p:tnLst>
+      <p:par>
+        <p:cTn id="1" dur="indefinite" restart="never" nodeType="tmRoot"/>
+      </p:par>
+    </p:tnLst>
+  </p:timing>
 </p:sld>
 </file>
 
@@ -5649,36 +5604,12 @@
                 <a:latin typeface="나눔스퀘어라운드 Bold" panose="020B0600000101010101" pitchFamily="50" charset="-127"/>
                 <a:ea typeface="나눔스퀘어라운드 Bold" panose="020B0600000101010101" pitchFamily="50" charset="-127"/>
               </a:rPr>
-              <a:t>개발환경</a:t>
-            </a:r>
-            <a:r>
-              <a:rPr lang="en-US" altLang="ko-KR" sz="2800" dirty="0" smtClean="0">
-                <a:latin typeface="나눔스퀘어라운드 Bold" panose="020B0600000101010101" pitchFamily="50" charset="-127"/>
-                <a:ea typeface="나눔스퀘어라운드 Bold" panose="020B0600000101010101" pitchFamily="50" charset="-127"/>
-              </a:rPr>
-              <a:t> </a:t>
-            </a:r>
-            <a:r>
-              <a:rPr lang="ko-KR" altLang="en-US" sz="2800" dirty="0" smtClean="0">
-                <a:latin typeface="나눔스퀘어라운드 Bold" panose="020B0600000101010101" pitchFamily="50" charset="-127"/>
-                <a:ea typeface="나눔스퀘어라운드 Bold" panose="020B0600000101010101" pitchFamily="50" charset="-127"/>
-              </a:rPr>
-              <a:t>과 </a:t>
-            </a:r>
-            <a:r>
-              <a:rPr lang="ko-KR" altLang="en-US" sz="2800" b="1" dirty="0" smtClean="0">
-                <a:latin typeface="나눔스퀘어라운드 Bold" panose="020B0600000101010101" pitchFamily="50" charset="-127"/>
-                <a:ea typeface="나눔스퀘어라운드 Bold" panose="020B0600000101010101" pitchFamily="50" charset="-127"/>
-              </a:rPr>
-              <a:t>테스트 </a:t>
-            </a:r>
-            <a:r>
-              <a:rPr lang="ko-KR" altLang="en-US" sz="2800" b="1" dirty="0">
-                <a:latin typeface="나눔스퀘어라운드 Bold" panose="020B0600000101010101" pitchFamily="50" charset="-127"/>
-                <a:ea typeface="나눔스퀘어라운드 Bold" panose="020B0600000101010101" pitchFamily="50" charset="-127"/>
-              </a:rPr>
-              <a:t>방법</a:t>
-            </a:r>
+              <a:t>개발구성</a:t>
+            </a:r>
+            <a:endParaRPr lang="ko-KR" altLang="en-US" sz="2800" b="1" dirty="0">
+              <a:latin typeface="나눔스퀘어라운드 Bold" panose="020B0600000101010101" pitchFamily="50" charset="-127"/>
+              <a:ea typeface="나눔스퀘어라운드 Bold" panose="020B0600000101010101" pitchFamily="50" charset="-127"/>
+            </a:endParaRPr>
           </a:p>
           <a:p>
             <a:r>
@@ -5775,6 +5706,13 @@
   <p:clrMapOvr>
     <a:masterClrMapping/>
   </p:clrMapOvr>
+  <p:timing>
+    <p:tnLst>
+      <p:par>
+        <p:cTn id="1" dur="indefinite" restart="never" nodeType="tmRoot"/>
+      </p:par>
+    </p:tnLst>
+  </p:timing>
 </p:sld>
 </file>
 
@@ -5846,12 +5784,61 @@
           <a:bodyPr/>
           <a:lstStyle/>
           <a:p>
-            <a:pPr marL="457200" indent="-457200">
-              <a:buClr>
-                <a:schemeClr val="tx1"/>
-              </a:buClr>
-              <a:buFont typeface="+mj-lt"/>
-              <a:buAutoNum type="arabicParenR"/>
+            <a:pPr marL="0" indent="0">
+              <a:lnSpc>
+                <a:spcPct val="150000"/>
+              </a:lnSpc>
+              <a:buNone/>
+            </a:pPr>
+            <a:r>
+              <a:rPr lang="ko-KR" altLang="en-US" dirty="0" smtClean="0">
+                <a:latin typeface="나눔스퀘어라운드 Bold" panose="020B0600000101010101" pitchFamily="50" charset="-127"/>
+                <a:ea typeface="나눔스퀘어라운드 Bold" panose="020B0600000101010101" pitchFamily="50" charset="-127"/>
+              </a:rPr>
+              <a:t> </a:t>
+            </a:r>
+            <a:r>
+              <a:rPr lang="en-US" altLang="ko-KR" dirty="0" smtClean="0">
+                <a:latin typeface="나눔스퀘어라운드 Bold" panose="020B0600000101010101" pitchFamily="50" charset="-127"/>
+                <a:ea typeface="나눔스퀘어라운드 Bold" panose="020B0600000101010101" pitchFamily="50" charset="-127"/>
+              </a:rPr>
+              <a:t>- </a:t>
+            </a:r>
+            <a:r>
+              <a:rPr lang="ko-KR" altLang="en-US" dirty="0" smtClean="0">
+                <a:latin typeface="나눔스퀘어라운드 Bold" panose="020B0600000101010101" pitchFamily="50" charset="-127"/>
+                <a:ea typeface="나눔스퀘어라운드 Bold" panose="020B0600000101010101" pitchFamily="50" charset="-127"/>
+              </a:rPr>
+              <a:t>장바구니 </a:t>
+            </a:r>
+            <a:r>
+              <a:rPr lang="en-US" altLang="ko-KR" dirty="0" smtClean="0">
+                <a:latin typeface="나눔스퀘어라운드 Bold" panose="020B0600000101010101" pitchFamily="50" charset="-127"/>
+                <a:ea typeface="나눔스퀘어라운드 Bold" panose="020B0600000101010101" pitchFamily="50" charset="-127"/>
+              </a:rPr>
+              <a:t>: </a:t>
+            </a:r>
+            <a:r>
+              <a:rPr lang="ko-KR" altLang="en-US" dirty="0" smtClean="0">
+                <a:latin typeface="나눔스퀘어라운드 Bold" panose="020B0600000101010101" pitchFamily="50" charset="-127"/>
+                <a:ea typeface="나눔스퀘어라운드 Bold" panose="020B0600000101010101" pitchFamily="50" charset="-127"/>
+              </a:rPr>
+              <a:t>비회원에 대한 장바구니 관리는 어떻게 할 것인가</a:t>
+            </a:r>
+            <a:r>
+              <a:rPr lang="en-US" altLang="ko-KR" dirty="0" smtClean="0">
+                <a:latin typeface="나눔스퀘어라운드 Bold" panose="020B0600000101010101" pitchFamily="50" charset="-127"/>
+                <a:ea typeface="나눔스퀘어라운드 Bold" panose="020B0600000101010101" pitchFamily="50" charset="-127"/>
+              </a:rPr>
+              <a:t>?</a:t>
+            </a:r>
+          </a:p>
+          <a:p>
+            <a:pPr marL="201168" lvl="1" indent="0">
+              <a:lnSpc>
+                <a:spcPct val="150000"/>
+              </a:lnSpc>
+              <a:buNone/>
             </a:pPr>
             <a:endParaRPr lang="en-US" altLang="ko-KR" dirty="0" smtClean="0">
               <a:latin typeface="나눔스퀘어라운드 Bold" panose="020B0600000101010101" pitchFamily="50" charset="-127"/>
@@ -5859,286 +5846,245 @@
             </a:endParaRPr>
           </a:p>
           <a:p>
-            <a:pPr marL="457200" indent="-457200">
-              <a:buClr>
-                <a:schemeClr val="tx1"/>
-              </a:buClr>
-              <a:buFont typeface="+mj-lt"/>
-              <a:buAutoNum type="arabicParenR"/>
+            <a:pPr marL="201168" lvl="1" indent="0">
+              <a:lnSpc>
+                <a:spcPct val="100000"/>
+              </a:lnSpc>
+              <a:buNone/>
             </a:pPr>
             <a:r>
-              <a:rPr lang="ko-KR" altLang="en-US" dirty="0" smtClean="0">
-                <a:latin typeface="나눔스퀘어라운드 Bold" panose="020B0600000101010101" pitchFamily="50" charset="-127"/>
-                <a:ea typeface="나눔스퀘어라운드 Bold" panose="020B0600000101010101" pitchFamily="50" charset="-127"/>
-              </a:rPr>
-              <a:t>회원일 </a:t>
-            </a:r>
-            <a:r>
-              <a:rPr lang="ko-KR" altLang="en-US" dirty="0">
-                <a:latin typeface="나눔스퀘어라운드 Bold" panose="020B0600000101010101" pitchFamily="50" charset="-127"/>
-                <a:ea typeface="나눔스퀘어라운드 Bold" panose="020B0600000101010101" pitchFamily="50" charset="-127"/>
-              </a:rPr>
-              <a:t>때 회원</a:t>
-            </a:r>
-            <a:r>
-              <a:rPr lang="en-US" altLang="ko-KR" dirty="0">
-                <a:latin typeface="나눔스퀘어라운드 Bold" panose="020B0600000101010101" pitchFamily="50" charset="-127"/>
-                <a:ea typeface="나눔스퀘어라운드 Bold" panose="020B0600000101010101" pitchFamily="50" charset="-127"/>
-              </a:rPr>
-              <a:t>ID </a:t>
-            </a:r>
-            <a:r>
-              <a:rPr lang="ko-KR" altLang="en-US" dirty="0" err="1">
+              <a:rPr lang="ko-KR" altLang="en-US" sz="2000" dirty="0" smtClean="0">
+                <a:latin typeface="나눔스퀘어라운드 Bold" panose="020B0600000101010101" pitchFamily="50" charset="-127"/>
+                <a:ea typeface="나눔스퀘어라운드 Bold" panose="020B0600000101010101" pitchFamily="50" charset="-127"/>
+              </a:rPr>
+              <a:t>    처음에는 </a:t>
+            </a:r>
+            <a:r>
+              <a:rPr lang="ko-KR" altLang="en-US" sz="2000" dirty="0">
+                <a:latin typeface="나눔스퀘어라운드 Bold" panose="020B0600000101010101" pitchFamily="50" charset="-127"/>
+                <a:ea typeface="나눔스퀘어라운드 Bold" panose="020B0600000101010101" pitchFamily="50" charset="-127"/>
+              </a:rPr>
+              <a:t>회원 테이블과 비슷하게 비회원 테이블을 만들어 </a:t>
+            </a:r>
+            <a:r>
+              <a:rPr lang="ko-KR" altLang="en-US" sz="2000" dirty="0" smtClean="0">
+                <a:latin typeface="나눔스퀘어라운드 Bold" panose="020B0600000101010101" pitchFamily="50" charset="-127"/>
+                <a:ea typeface="나눔스퀘어라운드 Bold" panose="020B0600000101010101" pitchFamily="50" charset="-127"/>
+              </a:rPr>
+              <a:t>관리하고</a:t>
+            </a:r>
+            <a:endParaRPr lang="en-US" altLang="ko-KR" sz="2000" dirty="0">
+              <a:latin typeface="나눔스퀘어라운드 Bold" panose="020B0600000101010101" pitchFamily="50" charset="-127"/>
+              <a:ea typeface="나눔스퀘어라운드 Bold" panose="020B0600000101010101" pitchFamily="50" charset="-127"/>
+            </a:endParaRPr>
+          </a:p>
+          <a:p>
+            <a:pPr marL="201168" lvl="1" indent="0">
+              <a:lnSpc>
+                <a:spcPct val="100000"/>
+              </a:lnSpc>
+              <a:buNone/>
+            </a:pPr>
+            <a:r>
+              <a:rPr lang="ko-KR" altLang="en-US" sz="2000" dirty="0" smtClean="0">
+                <a:latin typeface="나눔스퀘어라운드 Bold" panose="020B0600000101010101" pitchFamily="50" charset="-127"/>
+                <a:ea typeface="나눔스퀘어라운드 Bold" panose="020B0600000101010101" pitchFamily="50" charset="-127"/>
+              </a:rPr>
+              <a:t>    비회원으로 </a:t>
+            </a:r>
+            <a:r>
+              <a:rPr lang="ko-KR" altLang="en-US" sz="2000" dirty="0">
+                <a:latin typeface="나눔스퀘어라운드 Bold" panose="020B0600000101010101" pitchFamily="50" charset="-127"/>
+                <a:ea typeface="나눔스퀘어라운드 Bold" panose="020B0600000101010101" pitchFamily="50" charset="-127"/>
+              </a:rPr>
+              <a:t>로그인하면 비회원 장바구니를 볼 수 있는 것을 </a:t>
+            </a:r>
+            <a:r>
+              <a:rPr lang="ko-KR" altLang="en-US" sz="2000" dirty="0" smtClean="0">
+                <a:latin typeface="나눔스퀘어라운드 Bold" panose="020B0600000101010101" pitchFamily="50" charset="-127"/>
+                <a:ea typeface="나눔스퀘어라운드 Bold" panose="020B0600000101010101" pitchFamily="50" charset="-127"/>
+              </a:rPr>
+              <a:t>생각했지만</a:t>
+            </a:r>
+            <a:endParaRPr lang="en-US" altLang="ko-KR" sz="2000" dirty="0" smtClean="0">
+              <a:latin typeface="나눔스퀘어라운드 Bold" panose="020B0600000101010101" pitchFamily="50" charset="-127"/>
+              <a:ea typeface="나눔스퀘어라운드 Bold" panose="020B0600000101010101" pitchFamily="50" charset="-127"/>
+            </a:endParaRPr>
+          </a:p>
+          <a:p>
+            <a:pPr marL="201168" lvl="1" indent="0">
+              <a:lnSpc>
+                <a:spcPct val="100000"/>
+              </a:lnSpc>
+              <a:buNone/>
+            </a:pPr>
+            <a:endParaRPr lang="en-US" altLang="ko-KR" sz="2000" dirty="0" smtClean="0">
+              <a:latin typeface="나눔스퀘어라운드 Bold" panose="020B0600000101010101" pitchFamily="50" charset="-127"/>
+              <a:ea typeface="나눔스퀘어라운드 Bold" panose="020B0600000101010101" pitchFamily="50" charset="-127"/>
+            </a:endParaRPr>
+          </a:p>
+          <a:p>
+            <a:pPr marL="384048" lvl="2" indent="0">
+              <a:lnSpc>
+                <a:spcPct val="100000"/>
+              </a:lnSpc>
+              <a:buNone/>
+            </a:pPr>
+            <a:r>
+              <a:rPr lang="en-US" altLang="ko-KR" sz="2000" dirty="0" smtClean="0">
+                <a:latin typeface="나눔스퀘어라운드 Bold" panose="020B0600000101010101" pitchFamily="50" charset="-127"/>
+                <a:ea typeface="나눔스퀘어라운드 Bold" panose="020B0600000101010101" pitchFamily="50" charset="-127"/>
+              </a:rPr>
+              <a:t>         "</a:t>
+            </a:r>
+            <a:r>
+              <a:rPr lang="ko-KR" altLang="en-US" sz="2000" dirty="0" smtClean="0">
+                <a:latin typeface="나눔스퀘어라운드 Bold" panose="020B0600000101010101" pitchFamily="50" charset="-127"/>
+                <a:ea typeface="나눔스퀘어라운드 Bold" panose="020B0600000101010101" pitchFamily="50" charset="-127"/>
+              </a:rPr>
+              <a:t>이럴 거면 </a:t>
+            </a:r>
+            <a:r>
+              <a:rPr lang="ko-KR" altLang="en-US" sz="2000" dirty="0">
+                <a:latin typeface="나눔스퀘어라운드 Bold" panose="020B0600000101010101" pitchFamily="50" charset="-127"/>
+                <a:ea typeface="나눔스퀘어라운드 Bold" panose="020B0600000101010101" pitchFamily="50" charset="-127"/>
+              </a:rPr>
+              <a:t>그냥 회원가입을 해서 사용하는 것과 무슨 차이인가</a:t>
+            </a:r>
+            <a:r>
+              <a:rPr lang="en-US" altLang="ko-KR" sz="2000" dirty="0">
+                <a:latin typeface="나눔스퀘어라운드 Bold" panose="020B0600000101010101" pitchFamily="50" charset="-127"/>
+                <a:ea typeface="나눔스퀘어라운드 Bold" panose="020B0600000101010101" pitchFamily="50" charset="-127"/>
+              </a:rPr>
+              <a:t>?"</a:t>
+            </a:r>
+            <a:r>
+              <a:rPr lang="ko-KR" altLang="en-US" sz="2000" dirty="0">
+                <a:latin typeface="나눔스퀘어라운드 Bold" panose="020B0600000101010101" pitchFamily="50" charset="-127"/>
+                <a:ea typeface="나눔스퀘어라운드 Bold" panose="020B0600000101010101" pitchFamily="50" charset="-127"/>
+              </a:rPr>
+              <a:t> 라는 생각이 </a:t>
+            </a:r>
+            <a:r>
+              <a:rPr lang="ko-KR" altLang="en-US" sz="2000" dirty="0" smtClean="0">
+                <a:latin typeface="나눔스퀘어라운드 Bold" panose="020B0600000101010101" pitchFamily="50" charset="-127"/>
+                <a:ea typeface="나눔스퀘어라운드 Bold" panose="020B0600000101010101" pitchFamily="50" charset="-127"/>
+              </a:rPr>
+              <a:t>들어서</a:t>
+            </a:r>
+            <a:endParaRPr lang="en-US" altLang="ko-KR" sz="2000" dirty="0" smtClean="0">
+              <a:latin typeface="나눔스퀘어라운드 Bold" panose="020B0600000101010101" pitchFamily="50" charset="-127"/>
+              <a:ea typeface="나눔스퀘어라운드 Bold" panose="020B0600000101010101" pitchFamily="50" charset="-127"/>
+            </a:endParaRPr>
+          </a:p>
+          <a:p>
+            <a:pPr marL="384048" lvl="2" indent="0">
+              <a:lnSpc>
+                <a:spcPct val="100000"/>
+              </a:lnSpc>
+              <a:buNone/>
+            </a:pPr>
+            <a:r>
+              <a:rPr lang="en-US" altLang="ko-KR" sz="2000" dirty="0" smtClean="0">
+                <a:latin typeface="나눔스퀘어라운드 Bold" panose="020B0600000101010101" pitchFamily="50" charset="-127"/>
+                <a:ea typeface="나눔스퀘어라운드 Bold" panose="020B0600000101010101" pitchFamily="50" charset="-127"/>
+              </a:rPr>
+              <a:t>         "</a:t>
+            </a:r>
+            <a:r>
+              <a:rPr lang="ko-KR" altLang="en-US" sz="2000" dirty="0">
+                <a:latin typeface="나눔스퀘어라운드 Bold" panose="020B0600000101010101" pitchFamily="50" charset="-127"/>
+                <a:ea typeface="나눔스퀘어라운드 Bold" panose="020B0600000101010101" pitchFamily="50" charset="-127"/>
+              </a:rPr>
+              <a:t>비회원식별</a:t>
+            </a:r>
+            <a:r>
+              <a:rPr lang="en-US" altLang="ko-KR" sz="2000" dirty="0">
+                <a:latin typeface="나눔스퀘어라운드 Bold" panose="020B0600000101010101" pitchFamily="50" charset="-127"/>
+                <a:ea typeface="나눔스퀘어라운드 Bold" panose="020B0600000101010101" pitchFamily="50" charset="-127"/>
+              </a:rPr>
+              <a:t>" </a:t>
+            </a:r>
+            <a:r>
+              <a:rPr lang="ko-KR" altLang="en-US" sz="2000" dirty="0" err="1">
                 <a:latin typeface="나눔스퀘어라운드 Bold" panose="020B0600000101010101" pitchFamily="50" charset="-127"/>
                 <a:ea typeface="나눔스퀘어라운드 Bold" panose="020B0600000101010101" pitchFamily="50" charset="-127"/>
               </a:rPr>
               <a:t>컬럼을</a:t>
             </a:r>
             <a:r>
-              <a:rPr lang="ko-KR" altLang="en-US" dirty="0">
-                <a:latin typeface="나눔스퀘어라운드 Bold" panose="020B0600000101010101" pitchFamily="50" charset="-127"/>
-                <a:ea typeface="나눔스퀘어라운드 Bold" panose="020B0600000101010101" pitchFamily="50" charset="-127"/>
-              </a:rPr>
-              <a:t> 사용하여 식별</a:t>
-            </a:r>
-          </a:p>
-          <a:p>
-            <a:pPr marL="457200" indent="-457200">
-              <a:buClr>
-                <a:schemeClr val="tx1"/>
-              </a:buClr>
-              <a:buFont typeface="+mj-lt"/>
-              <a:buAutoNum type="arabicParenR"/>
+              <a:rPr lang="ko-KR" altLang="en-US" sz="2000" dirty="0">
+                <a:latin typeface="나눔스퀘어라운드 Bold" panose="020B0600000101010101" pitchFamily="50" charset="-127"/>
+                <a:ea typeface="나눔스퀘어라운드 Bold" panose="020B0600000101010101" pitchFamily="50" charset="-127"/>
+              </a:rPr>
+              <a:t> 만들고 </a:t>
+            </a:r>
+            <a:r>
+              <a:rPr lang="en-US" altLang="ko-KR" sz="2000" dirty="0" smtClean="0">
+                <a:latin typeface="나눔스퀘어라운드 Bold" panose="020B0600000101010101" pitchFamily="50" charset="-127"/>
+                <a:ea typeface="나눔스퀘어라운드 Bold" panose="020B0600000101010101" pitchFamily="50" charset="-127"/>
+              </a:rPr>
+              <a:t>30</a:t>
+            </a:r>
+            <a:r>
+              <a:rPr lang="ko-KR" altLang="en-US" sz="2000" dirty="0" smtClean="0">
+                <a:latin typeface="나눔스퀘어라운드 Bold" panose="020B0600000101010101" pitchFamily="50" charset="-127"/>
+                <a:ea typeface="나눔스퀘어라운드 Bold" panose="020B0600000101010101" pitchFamily="50" charset="-127"/>
+              </a:rPr>
+              <a:t>일 동안 </a:t>
+            </a:r>
+            <a:r>
+              <a:rPr lang="ko-KR" altLang="en-US" sz="2000" dirty="0">
+                <a:latin typeface="나눔스퀘어라운드 Bold" panose="020B0600000101010101" pitchFamily="50" charset="-127"/>
+                <a:ea typeface="나눔스퀘어라운드 Bold" panose="020B0600000101010101" pitchFamily="50" charset="-127"/>
+              </a:rPr>
+              <a:t>조회를 </a:t>
+            </a:r>
+            <a:r>
+              <a:rPr lang="ko-KR" altLang="en-US" sz="2000" dirty="0" smtClean="0">
+                <a:latin typeface="나눔스퀘어라운드 Bold" panose="020B0600000101010101" pitchFamily="50" charset="-127"/>
+                <a:ea typeface="나눔스퀘어라운드 Bold" panose="020B0600000101010101" pitchFamily="50" charset="-127"/>
+              </a:rPr>
+              <a:t>안 하면 </a:t>
+            </a:r>
+            <a:r>
+              <a:rPr lang="ko-KR" altLang="en-US" sz="2000" dirty="0">
+                <a:latin typeface="나눔스퀘어라운드 Bold" panose="020B0600000101010101" pitchFamily="50" charset="-127"/>
+                <a:ea typeface="나눔스퀘어라운드 Bold" panose="020B0600000101010101" pitchFamily="50" charset="-127"/>
+              </a:rPr>
+              <a:t>삭제되도록 만들었음</a:t>
+            </a:r>
+          </a:p>
+          <a:p>
+            <a:pPr>
+              <a:lnSpc>
+                <a:spcPct val="150000"/>
+              </a:lnSpc>
             </a:pPr>
-            <a:r>
-              <a:rPr lang="en-US" altLang="ko-KR" dirty="0">
-                <a:latin typeface="나눔스퀘어라운드 Bold" panose="020B0600000101010101" pitchFamily="50" charset="-127"/>
-                <a:ea typeface="나눔스퀘어라운드 Bold" panose="020B0600000101010101" pitchFamily="50" charset="-127"/>
-              </a:rPr>
-              <a:t>API</a:t>
-            </a:r>
-            <a:r>
-              <a:rPr lang="ko-KR" altLang="en-US" dirty="0">
-                <a:latin typeface="나눔스퀘어라운드 Bold" panose="020B0600000101010101" pitchFamily="50" charset="-127"/>
-                <a:ea typeface="나눔스퀘어라운드 Bold" panose="020B0600000101010101" pitchFamily="50" charset="-127"/>
-              </a:rPr>
-              <a:t>를 사용하는 </a:t>
-            </a:r>
-            <a:r>
-              <a:rPr lang="en-US" altLang="ko-KR" dirty="0">
-                <a:latin typeface="나눔스퀘어라운드 Bold" panose="020B0600000101010101" pitchFamily="50" charset="-127"/>
-                <a:ea typeface="나눔스퀘어라운드 Bold" panose="020B0600000101010101" pitchFamily="50" charset="-127"/>
-              </a:rPr>
-              <a:t>Front-end</a:t>
-            </a:r>
-            <a:r>
-              <a:rPr lang="ko-KR" altLang="en-US" dirty="0">
-                <a:latin typeface="나눔스퀘어라운드 Bold" panose="020B0600000101010101" pitchFamily="50" charset="-127"/>
-                <a:ea typeface="나눔스퀘어라운드 Bold" panose="020B0600000101010101" pitchFamily="50" charset="-127"/>
-              </a:rPr>
-              <a:t>는 비회원이 최초 접속했을 때 자동 생성한 </a:t>
-            </a:r>
-            <a:r>
-              <a:rPr lang="en-US" altLang="ko-KR" dirty="0">
-                <a:latin typeface="나눔스퀘어라운드 Bold" panose="020B0600000101010101" pitchFamily="50" charset="-127"/>
-                <a:ea typeface="나눔스퀘어라운드 Bold" panose="020B0600000101010101" pitchFamily="50" charset="-127"/>
-              </a:rPr>
-              <a:t>"</a:t>
-            </a:r>
-            <a:r>
-              <a:rPr lang="ko-KR" altLang="en-US" dirty="0">
-                <a:latin typeface="나눔스퀘어라운드 Bold" panose="020B0600000101010101" pitchFamily="50" charset="-127"/>
-                <a:ea typeface="나눔스퀘어라운드 Bold" panose="020B0600000101010101" pitchFamily="50" charset="-127"/>
-              </a:rPr>
-              <a:t>비회원식별코드</a:t>
-            </a:r>
-            <a:r>
-              <a:rPr lang="en-US" altLang="ko-KR" dirty="0">
-                <a:latin typeface="나눔스퀘어라운드 Bold" panose="020B0600000101010101" pitchFamily="50" charset="-127"/>
-                <a:ea typeface="나눔스퀘어라운드 Bold" panose="020B0600000101010101" pitchFamily="50" charset="-127"/>
-              </a:rPr>
-              <a:t>"(</a:t>
-            </a:r>
-            <a:r>
-              <a:rPr lang="ko-KR" altLang="en-US" dirty="0">
-                <a:latin typeface="나눔스퀘어라운드 Bold" panose="020B0600000101010101" pitchFamily="50" charset="-127"/>
-                <a:ea typeface="나눔스퀘어라운드 Bold" panose="020B0600000101010101" pitchFamily="50" charset="-127"/>
-              </a:rPr>
-              <a:t>세션</a:t>
-            </a:r>
-            <a:r>
-              <a:rPr lang="en-US" altLang="ko-KR" dirty="0">
-                <a:latin typeface="나눔스퀘어라운드 Bold" panose="020B0600000101010101" pitchFamily="50" charset="-127"/>
-                <a:ea typeface="나눔스퀘어라운드 Bold" panose="020B0600000101010101" pitchFamily="50" charset="-127"/>
-              </a:rPr>
-              <a:t>, </a:t>
-            </a:r>
-            <a:r>
-              <a:rPr lang="ko-KR" altLang="en-US" dirty="0">
-                <a:latin typeface="나눔스퀘어라운드 Bold" panose="020B0600000101010101" pitchFamily="50" charset="-127"/>
-                <a:ea typeface="나눔스퀘어라운드 Bold" panose="020B0600000101010101" pitchFamily="50" charset="-127"/>
-              </a:rPr>
-              <a:t>또는 </a:t>
-            </a:r>
-            <a:r>
-              <a:rPr lang="ko-KR" altLang="en-US" dirty="0" err="1">
-                <a:latin typeface="나눔스퀘어라운드 Bold" panose="020B0600000101010101" pitchFamily="50" charset="-127"/>
-                <a:ea typeface="나눔스퀘어라운드 Bold" panose="020B0600000101010101" pitchFamily="50" charset="-127"/>
-              </a:rPr>
-              <a:t>난수</a:t>
-            </a:r>
-            <a:r>
-              <a:rPr lang="en-US" altLang="ko-KR" dirty="0">
-                <a:latin typeface="나눔스퀘어라운드 Bold" panose="020B0600000101010101" pitchFamily="50" charset="-127"/>
-                <a:ea typeface="나눔스퀘어라운드 Bold" panose="020B0600000101010101" pitchFamily="50" charset="-127"/>
-              </a:rPr>
-              <a:t>)</a:t>
-            </a:r>
-            <a:r>
-              <a:rPr lang="ko-KR" altLang="en-US" dirty="0">
-                <a:latin typeface="나눔스퀘어라운드 Bold" panose="020B0600000101010101" pitchFamily="50" charset="-127"/>
-                <a:ea typeface="나눔스퀘어라운드 Bold" panose="020B0600000101010101" pitchFamily="50" charset="-127"/>
-              </a:rPr>
-              <a:t>를 쿠키에 저장하도록 설계</a:t>
-            </a:r>
-          </a:p>
-          <a:p>
-            <a:pPr marL="457200" indent="-457200">
-              <a:buClr>
-                <a:schemeClr val="tx1"/>
-              </a:buClr>
-              <a:buFont typeface="+mj-lt"/>
-              <a:buAutoNum type="arabicParenR"/>
-            </a:pPr>
-            <a:r>
-              <a:rPr lang="ko-KR" altLang="en-US" dirty="0">
-                <a:latin typeface="나눔스퀘어라운드 Bold" panose="020B0600000101010101" pitchFamily="50" charset="-127"/>
-                <a:ea typeface="나눔스퀘어라운드 Bold" panose="020B0600000101010101" pitchFamily="50" charset="-127"/>
-              </a:rPr>
-              <a:t>비회원일 경우 쿠키에 저장된 </a:t>
-            </a:r>
-            <a:r>
-              <a:rPr lang="en-US" altLang="ko-KR" dirty="0">
-                <a:latin typeface="나눔스퀘어라운드 Bold" panose="020B0600000101010101" pitchFamily="50" charset="-127"/>
-                <a:ea typeface="나눔스퀘어라운드 Bold" panose="020B0600000101010101" pitchFamily="50" charset="-127"/>
-              </a:rPr>
-              <a:t>"</a:t>
-            </a:r>
-            <a:r>
-              <a:rPr lang="ko-KR" altLang="en-US" dirty="0">
-                <a:latin typeface="나눔스퀘어라운드 Bold" panose="020B0600000101010101" pitchFamily="50" charset="-127"/>
-                <a:ea typeface="나눔스퀘어라운드 Bold" panose="020B0600000101010101" pitchFamily="50" charset="-127"/>
-              </a:rPr>
-              <a:t>비회원식별코드</a:t>
-            </a:r>
-            <a:r>
-              <a:rPr lang="en-US" altLang="ko-KR" dirty="0">
-                <a:latin typeface="나눔스퀘어라운드 Bold" panose="020B0600000101010101" pitchFamily="50" charset="-127"/>
-                <a:ea typeface="나눔스퀘어라운드 Bold" panose="020B0600000101010101" pitchFamily="50" charset="-127"/>
-              </a:rPr>
-              <a:t>"</a:t>
-            </a:r>
-            <a:r>
-              <a:rPr lang="ko-KR" altLang="en-US" dirty="0">
-                <a:latin typeface="나눔스퀘어라운드 Bold" panose="020B0600000101010101" pitchFamily="50" charset="-127"/>
-                <a:ea typeface="나눔스퀘어라운드 Bold" panose="020B0600000101010101" pitchFamily="50" charset="-127"/>
-              </a:rPr>
-              <a:t>와 함께 장바구니 </a:t>
-            </a:r>
-            <a:r>
-              <a:rPr lang="en-US" altLang="ko-KR" dirty="0">
-                <a:latin typeface="나눔스퀘어라운드 Bold" panose="020B0600000101010101" pitchFamily="50" charset="-127"/>
-                <a:ea typeface="나눔스퀘어라운드 Bold" panose="020B0600000101010101" pitchFamily="50" charset="-127"/>
-              </a:rPr>
-              <a:t>API</a:t>
-            </a:r>
-            <a:r>
-              <a:rPr lang="ko-KR" altLang="en-US" dirty="0">
-                <a:latin typeface="나눔스퀘어라운드 Bold" panose="020B0600000101010101" pitchFamily="50" charset="-127"/>
-                <a:ea typeface="나눔스퀘어라운드 Bold" panose="020B0600000101010101" pitchFamily="50" charset="-127"/>
-              </a:rPr>
-              <a:t>에 요청</a:t>
-            </a:r>
-          </a:p>
-          <a:p>
-            <a:pPr marL="457200" indent="-457200">
-              <a:buClr>
-                <a:schemeClr val="tx1"/>
-              </a:buClr>
-              <a:buFont typeface="+mj-lt"/>
-              <a:buAutoNum type="arabicParenR"/>
-            </a:pPr>
-            <a:r>
-              <a:rPr lang="ko-KR" altLang="en-US" dirty="0">
-                <a:latin typeface="나눔스퀘어라운드 Bold" panose="020B0600000101010101" pitchFamily="50" charset="-127"/>
-                <a:ea typeface="나눔스퀘어라운드 Bold" panose="020B0600000101010101" pitchFamily="50" charset="-127"/>
-              </a:rPr>
-              <a:t>비회원이 장바구니 리스트를 요청할 때마다 장바구니에 담긴 데이터들의 시간을 현재 시간으로 갱신</a:t>
-            </a:r>
-          </a:p>
-          <a:p>
-            <a:pPr marL="457200" indent="-457200">
-              <a:buClr>
-                <a:schemeClr val="tx1"/>
-              </a:buClr>
-              <a:buFont typeface="+mj-lt"/>
-              <a:buAutoNum type="arabicParenR"/>
-            </a:pPr>
-            <a:r>
-              <a:rPr lang="ko-KR" altLang="en-US" dirty="0" err="1">
-                <a:latin typeface="나눔스퀘어라운드 Bold" panose="020B0600000101010101" pitchFamily="50" charset="-127"/>
-                <a:ea typeface="나눔스퀘어라운드 Bold" panose="020B0600000101010101" pitchFamily="50" charset="-127"/>
-              </a:rPr>
-              <a:t>인터셉터에서</a:t>
-            </a:r>
-            <a:r>
-              <a:rPr lang="ko-KR" altLang="en-US" dirty="0">
-                <a:latin typeface="나눔스퀘어라운드 Bold" panose="020B0600000101010101" pitchFamily="50" charset="-127"/>
-                <a:ea typeface="나눔스퀘어라운드 Bold" panose="020B0600000101010101" pitchFamily="50" charset="-127"/>
-              </a:rPr>
-              <a:t> 일정시간</a:t>
-            </a:r>
-            <a:r>
-              <a:rPr lang="en-US" altLang="ko-KR" dirty="0">
-                <a:latin typeface="나눔스퀘어라운드 Bold" panose="020B0600000101010101" pitchFamily="50" charset="-127"/>
-                <a:ea typeface="나눔스퀘어라운드 Bold" panose="020B0600000101010101" pitchFamily="50" charset="-127"/>
-              </a:rPr>
-              <a:t>(30</a:t>
-            </a:r>
-            <a:r>
-              <a:rPr lang="ko-KR" altLang="en-US" dirty="0">
-                <a:latin typeface="나눔스퀘어라운드 Bold" panose="020B0600000101010101" pitchFamily="50" charset="-127"/>
-                <a:ea typeface="나눔스퀘어라운드 Bold" panose="020B0600000101010101" pitchFamily="50" charset="-127"/>
-              </a:rPr>
-              <a:t>일</a:t>
-            </a:r>
-            <a:r>
-              <a:rPr lang="en-US" altLang="ko-KR" dirty="0">
-                <a:latin typeface="나눔스퀘어라운드 Bold" panose="020B0600000101010101" pitchFamily="50" charset="-127"/>
-                <a:ea typeface="나눔스퀘어라운드 Bold" panose="020B0600000101010101" pitchFamily="50" charset="-127"/>
-              </a:rPr>
-              <a:t>)</a:t>
-            </a:r>
-            <a:r>
-              <a:rPr lang="ko-KR" altLang="en-US" dirty="0">
-                <a:latin typeface="나눔스퀘어라운드 Bold" panose="020B0600000101010101" pitchFamily="50" charset="-127"/>
-                <a:ea typeface="나눔스퀘어라운드 Bold" panose="020B0600000101010101" pitchFamily="50" charset="-127"/>
-              </a:rPr>
-              <a:t>이 지난 장바구니들은 일괄 제거</a:t>
-            </a:r>
+            <a:endParaRPr lang="ko-KR" altLang="en-US" dirty="0">
+              <a:latin typeface="나눔스퀘어라운드 Bold" panose="020B0600000101010101" pitchFamily="50" charset="-127"/>
+              <a:ea typeface="나눔스퀘어라운드 Bold" panose="020B0600000101010101" pitchFamily="50" charset="-127"/>
+            </a:endParaRPr>
           </a:p>
         </p:txBody>
       </p:sp>
     </p:spTree>
     <p:extLst>
       <p:ext uri="{BB962C8B-B14F-4D97-AF65-F5344CB8AC3E}">
-        <p14:creationId xmlns:p14="http://schemas.microsoft.com/office/powerpoint/2010/main" val="2609144362"/>
+        <p14:creationId xmlns:p14="http://schemas.microsoft.com/office/powerpoint/2010/main" val="1498878432"/>
       </p:ext>
     </p:extLst>
   </p:cSld>
   <p:clrMapOvr>
     <a:masterClrMapping/>
   </p:clrMapOvr>
+  <p:timing>
+    <p:tnLst>
+      <p:par>
+        <p:cTn id="1" dur="indefinite" restart="never" nodeType="tmRoot"/>
+      </p:par>
+    </p:tnLst>
+  </p:timing>
 </p:sld>
 </file>
 
@@ -6179,6 +6125,377 @@
                 <a:latin typeface="나눔스퀘어라운드 Bold" panose="020B0600000101010101" pitchFamily="50" charset="-127"/>
                 <a:ea typeface="나눔스퀘어라운드 Bold" panose="020B0600000101010101" pitchFamily="50" charset="-127"/>
               </a:rPr>
+              <a:t>2. </a:t>
+            </a:r>
+            <a:r>
+              <a:rPr lang="ko-KR" altLang="en-US" b="1" dirty="0" err="1">
+                <a:latin typeface="나눔스퀘어라운드 Bold" panose="020B0600000101010101" pitchFamily="50" charset="-127"/>
+                <a:ea typeface="나눔스퀘어라운드 Bold" panose="020B0600000101010101" pitchFamily="50" charset="-127"/>
+              </a:rPr>
+              <a:t>고민했던것들</a:t>
+            </a:r>
+            <a:endParaRPr lang="en-US" altLang="ko-KR" b="1" dirty="0">
+              <a:latin typeface="나눔스퀘어라운드 Bold" panose="020B0600000101010101" pitchFamily="50" charset="-127"/>
+              <a:ea typeface="나눔스퀘어라운드 Bold" panose="020B0600000101010101" pitchFamily="50" charset="-127"/>
+            </a:endParaRPr>
+          </a:p>
+        </p:txBody>
+      </p:sp>
+      <p:sp>
+        <p:nvSpPr>
+          <p:cNvPr id="2" name="내용 개체 틀 1"/>
+          <p:cNvSpPr>
+            <a:spLocks noGrp="1"/>
+          </p:cNvSpPr>
+          <p:nvPr>
+            <p:ph idx="1"/>
+          </p:nvPr>
+        </p:nvSpPr>
+        <p:spPr/>
+        <p:txBody>
+          <a:bodyPr/>
+          <a:lstStyle/>
+          <a:p>
+            <a:pPr marL="457200" indent="-457200">
+              <a:buClr>
+                <a:schemeClr val="tx1"/>
+              </a:buClr>
+              <a:buFont typeface="+mj-lt"/>
+              <a:buAutoNum type="arabicParenR"/>
+            </a:pPr>
+            <a:endParaRPr lang="en-US" altLang="ko-KR" dirty="0" smtClean="0">
+              <a:latin typeface="나눔스퀘어라운드 Bold" panose="020B0600000101010101" pitchFamily="50" charset="-127"/>
+              <a:ea typeface="나눔스퀘어라운드 Bold" panose="020B0600000101010101" pitchFamily="50" charset="-127"/>
+            </a:endParaRPr>
+          </a:p>
+          <a:p>
+            <a:pPr marL="457200" indent="-457200">
+              <a:buClr>
+                <a:schemeClr val="tx1"/>
+              </a:buClr>
+              <a:buFont typeface="+mj-lt"/>
+              <a:buAutoNum type="arabicParenR"/>
+            </a:pPr>
+            <a:r>
+              <a:rPr lang="ko-KR" altLang="en-US" dirty="0" smtClean="0">
+                <a:latin typeface="나눔스퀘어라운드 Bold" panose="020B0600000101010101" pitchFamily="50" charset="-127"/>
+                <a:ea typeface="나눔스퀘어라운드 Bold" panose="020B0600000101010101" pitchFamily="50" charset="-127"/>
+              </a:rPr>
+              <a:t>회원일 </a:t>
+            </a:r>
+            <a:r>
+              <a:rPr lang="ko-KR" altLang="en-US" dirty="0">
+                <a:latin typeface="나눔스퀘어라운드 Bold" panose="020B0600000101010101" pitchFamily="50" charset="-127"/>
+                <a:ea typeface="나눔스퀘어라운드 Bold" panose="020B0600000101010101" pitchFamily="50" charset="-127"/>
+              </a:rPr>
+              <a:t>때 회원</a:t>
+            </a:r>
+            <a:r>
+              <a:rPr lang="en-US" altLang="ko-KR" dirty="0">
+                <a:latin typeface="나눔스퀘어라운드 Bold" panose="020B0600000101010101" pitchFamily="50" charset="-127"/>
+                <a:ea typeface="나눔스퀘어라운드 Bold" panose="020B0600000101010101" pitchFamily="50" charset="-127"/>
+              </a:rPr>
+              <a:t>ID </a:t>
+            </a:r>
+            <a:r>
+              <a:rPr lang="ko-KR" altLang="en-US" dirty="0" err="1">
+                <a:latin typeface="나눔스퀘어라운드 Bold" panose="020B0600000101010101" pitchFamily="50" charset="-127"/>
+                <a:ea typeface="나눔스퀘어라운드 Bold" panose="020B0600000101010101" pitchFamily="50" charset="-127"/>
+              </a:rPr>
+              <a:t>컬럼을</a:t>
+            </a:r>
+            <a:r>
+              <a:rPr lang="ko-KR" altLang="en-US" dirty="0">
+                <a:latin typeface="나눔스퀘어라운드 Bold" panose="020B0600000101010101" pitchFamily="50" charset="-127"/>
+                <a:ea typeface="나눔스퀘어라운드 Bold" panose="020B0600000101010101" pitchFamily="50" charset="-127"/>
+              </a:rPr>
+              <a:t> 사용하여 식별</a:t>
+            </a:r>
+          </a:p>
+          <a:p>
+            <a:pPr marL="457200" indent="-457200">
+              <a:buClr>
+                <a:schemeClr val="tx1"/>
+              </a:buClr>
+              <a:buFont typeface="+mj-lt"/>
+              <a:buAutoNum type="arabicParenR"/>
+            </a:pPr>
+            <a:r>
+              <a:rPr lang="en-US" altLang="ko-KR" dirty="0">
+                <a:latin typeface="나눔스퀘어라운드 Bold" panose="020B0600000101010101" pitchFamily="50" charset="-127"/>
+                <a:ea typeface="나눔스퀘어라운드 Bold" panose="020B0600000101010101" pitchFamily="50" charset="-127"/>
+              </a:rPr>
+              <a:t>API</a:t>
+            </a:r>
+            <a:r>
+              <a:rPr lang="ko-KR" altLang="en-US" dirty="0">
+                <a:latin typeface="나눔스퀘어라운드 Bold" panose="020B0600000101010101" pitchFamily="50" charset="-127"/>
+                <a:ea typeface="나눔스퀘어라운드 Bold" panose="020B0600000101010101" pitchFamily="50" charset="-127"/>
+              </a:rPr>
+              <a:t>를 사용하는 </a:t>
+            </a:r>
+            <a:r>
+              <a:rPr lang="en-US" altLang="ko-KR" dirty="0">
+                <a:latin typeface="나눔스퀘어라운드 Bold" panose="020B0600000101010101" pitchFamily="50" charset="-127"/>
+                <a:ea typeface="나눔스퀘어라운드 Bold" panose="020B0600000101010101" pitchFamily="50" charset="-127"/>
+              </a:rPr>
+              <a:t>Front-end</a:t>
+            </a:r>
+            <a:r>
+              <a:rPr lang="ko-KR" altLang="en-US" dirty="0">
+                <a:latin typeface="나눔스퀘어라운드 Bold" panose="020B0600000101010101" pitchFamily="50" charset="-127"/>
+                <a:ea typeface="나눔스퀘어라운드 Bold" panose="020B0600000101010101" pitchFamily="50" charset="-127"/>
+              </a:rPr>
+              <a:t>는 비회원이 최초 접속했을 때 자동 생성한 </a:t>
+            </a:r>
+            <a:r>
+              <a:rPr lang="en-US" altLang="ko-KR" dirty="0">
+                <a:latin typeface="나눔스퀘어라운드 Bold" panose="020B0600000101010101" pitchFamily="50" charset="-127"/>
+                <a:ea typeface="나눔스퀘어라운드 Bold" panose="020B0600000101010101" pitchFamily="50" charset="-127"/>
+              </a:rPr>
+              <a:t>"</a:t>
+            </a:r>
+            <a:r>
+              <a:rPr lang="ko-KR" altLang="en-US" dirty="0">
+                <a:latin typeface="나눔스퀘어라운드 Bold" panose="020B0600000101010101" pitchFamily="50" charset="-127"/>
+                <a:ea typeface="나눔스퀘어라운드 Bold" panose="020B0600000101010101" pitchFamily="50" charset="-127"/>
+              </a:rPr>
+              <a:t>비회원식별코드</a:t>
+            </a:r>
+            <a:r>
+              <a:rPr lang="en-US" altLang="ko-KR" dirty="0">
+                <a:latin typeface="나눔스퀘어라운드 Bold" panose="020B0600000101010101" pitchFamily="50" charset="-127"/>
+                <a:ea typeface="나눔스퀘어라운드 Bold" panose="020B0600000101010101" pitchFamily="50" charset="-127"/>
+              </a:rPr>
+              <a:t>"(</a:t>
+            </a:r>
+            <a:r>
+              <a:rPr lang="ko-KR" altLang="en-US" dirty="0">
+                <a:latin typeface="나눔스퀘어라운드 Bold" panose="020B0600000101010101" pitchFamily="50" charset="-127"/>
+                <a:ea typeface="나눔스퀘어라운드 Bold" panose="020B0600000101010101" pitchFamily="50" charset="-127"/>
+              </a:rPr>
+              <a:t>세션</a:t>
+            </a:r>
+            <a:r>
+              <a:rPr lang="en-US" altLang="ko-KR" dirty="0">
+                <a:latin typeface="나눔스퀘어라운드 Bold" panose="020B0600000101010101" pitchFamily="50" charset="-127"/>
+                <a:ea typeface="나눔스퀘어라운드 Bold" panose="020B0600000101010101" pitchFamily="50" charset="-127"/>
+              </a:rPr>
+              <a:t>, </a:t>
+            </a:r>
+            <a:r>
+              <a:rPr lang="ko-KR" altLang="en-US" dirty="0">
+                <a:latin typeface="나눔스퀘어라운드 Bold" panose="020B0600000101010101" pitchFamily="50" charset="-127"/>
+                <a:ea typeface="나눔스퀘어라운드 Bold" panose="020B0600000101010101" pitchFamily="50" charset="-127"/>
+              </a:rPr>
+              <a:t>또는 </a:t>
+            </a:r>
+            <a:r>
+              <a:rPr lang="ko-KR" altLang="en-US" dirty="0" err="1">
+                <a:latin typeface="나눔스퀘어라운드 Bold" panose="020B0600000101010101" pitchFamily="50" charset="-127"/>
+                <a:ea typeface="나눔스퀘어라운드 Bold" panose="020B0600000101010101" pitchFamily="50" charset="-127"/>
+              </a:rPr>
+              <a:t>난수</a:t>
+            </a:r>
+            <a:r>
+              <a:rPr lang="en-US" altLang="ko-KR" dirty="0">
+                <a:latin typeface="나눔스퀘어라운드 Bold" panose="020B0600000101010101" pitchFamily="50" charset="-127"/>
+                <a:ea typeface="나눔스퀘어라운드 Bold" panose="020B0600000101010101" pitchFamily="50" charset="-127"/>
+              </a:rPr>
+              <a:t>)</a:t>
+            </a:r>
+            <a:r>
+              <a:rPr lang="ko-KR" altLang="en-US" dirty="0">
+                <a:latin typeface="나눔스퀘어라운드 Bold" panose="020B0600000101010101" pitchFamily="50" charset="-127"/>
+                <a:ea typeface="나눔스퀘어라운드 Bold" panose="020B0600000101010101" pitchFamily="50" charset="-127"/>
+              </a:rPr>
+              <a:t>를 쿠키에 저장하도록 설계</a:t>
+            </a:r>
+          </a:p>
+          <a:p>
+            <a:pPr marL="457200" indent="-457200">
+              <a:buClr>
+                <a:schemeClr val="tx1"/>
+              </a:buClr>
+              <a:buFont typeface="+mj-lt"/>
+              <a:buAutoNum type="arabicParenR"/>
+            </a:pPr>
+            <a:r>
+              <a:rPr lang="ko-KR" altLang="en-US" dirty="0">
+                <a:latin typeface="나눔스퀘어라운드 Bold" panose="020B0600000101010101" pitchFamily="50" charset="-127"/>
+                <a:ea typeface="나눔스퀘어라운드 Bold" panose="020B0600000101010101" pitchFamily="50" charset="-127"/>
+              </a:rPr>
+              <a:t>비회원일 경우 쿠키에 저장된 </a:t>
+            </a:r>
+            <a:r>
+              <a:rPr lang="en-US" altLang="ko-KR" dirty="0">
+                <a:latin typeface="나눔스퀘어라운드 Bold" panose="020B0600000101010101" pitchFamily="50" charset="-127"/>
+                <a:ea typeface="나눔스퀘어라운드 Bold" panose="020B0600000101010101" pitchFamily="50" charset="-127"/>
+              </a:rPr>
+              <a:t>"</a:t>
+            </a:r>
+            <a:r>
+              <a:rPr lang="ko-KR" altLang="en-US" dirty="0">
+                <a:latin typeface="나눔스퀘어라운드 Bold" panose="020B0600000101010101" pitchFamily="50" charset="-127"/>
+                <a:ea typeface="나눔스퀘어라운드 Bold" panose="020B0600000101010101" pitchFamily="50" charset="-127"/>
+              </a:rPr>
+              <a:t>비회원식별코드</a:t>
+            </a:r>
+            <a:r>
+              <a:rPr lang="en-US" altLang="ko-KR" dirty="0">
+                <a:latin typeface="나눔스퀘어라운드 Bold" panose="020B0600000101010101" pitchFamily="50" charset="-127"/>
+                <a:ea typeface="나눔스퀘어라운드 Bold" panose="020B0600000101010101" pitchFamily="50" charset="-127"/>
+              </a:rPr>
+              <a:t>"</a:t>
+            </a:r>
+            <a:r>
+              <a:rPr lang="ko-KR" altLang="en-US" dirty="0">
+                <a:latin typeface="나눔스퀘어라운드 Bold" panose="020B0600000101010101" pitchFamily="50" charset="-127"/>
+                <a:ea typeface="나눔스퀘어라운드 Bold" panose="020B0600000101010101" pitchFamily="50" charset="-127"/>
+              </a:rPr>
+              <a:t>와 함께 장바구니 </a:t>
+            </a:r>
+            <a:r>
+              <a:rPr lang="en-US" altLang="ko-KR" dirty="0">
+                <a:latin typeface="나눔스퀘어라운드 Bold" panose="020B0600000101010101" pitchFamily="50" charset="-127"/>
+                <a:ea typeface="나눔스퀘어라운드 Bold" panose="020B0600000101010101" pitchFamily="50" charset="-127"/>
+              </a:rPr>
+              <a:t>API</a:t>
+            </a:r>
+            <a:r>
+              <a:rPr lang="ko-KR" altLang="en-US" dirty="0">
+                <a:latin typeface="나눔스퀘어라운드 Bold" panose="020B0600000101010101" pitchFamily="50" charset="-127"/>
+                <a:ea typeface="나눔스퀘어라운드 Bold" panose="020B0600000101010101" pitchFamily="50" charset="-127"/>
+              </a:rPr>
+              <a:t>에 요청</a:t>
+            </a:r>
+          </a:p>
+          <a:p>
+            <a:pPr marL="457200" indent="-457200">
+              <a:buClr>
+                <a:schemeClr val="tx1"/>
+              </a:buClr>
+              <a:buFont typeface="+mj-lt"/>
+              <a:buAutoNum type="arabicParenR"/>
+            </a:pPr>
+            <a:r>
+              <a:rPr lang="ko-KR" altLang="en-US" dirty="0">
+                <a:latin typeface="나눔스퀘어라운드 Bold" panose="020B0600000101010101" pitchFamily="50" charset="-127"/>
+                <a:ea typeface="나눔스퀘어라운드 Bold" panose="020B0600000101010101" pitchFamily="50" charset="-127"/>
+              </a:rPr>
+              <a:t>비회원이 장바구니 리스트를 요청할 때마다 장바구니에 담긴 데이터들의 시간을 현재 시간으로 갱신</a:t>
+            </a:r>
+          </a:p>
+          <a:p>
+            <a:pPr marL="457200" indent="-457200">
+              <a:buClr>
+                <a:schemeClr val="tx1"/>
+              </a:buClr>
+              <a:buFont typeface="+mj-lt"/>
+              <a:buAutoNum type="arabicParenR"/>
+            </a:pPr>
+            <a:r>
+              <a:rPr lang="ko-KR" altLang="en-US" dirty="0" err="1">
+                <a:latin typeface="나눔스퀘어라운드 Bold" panose="020B0600000101010101" pitchFamily="50" charset="-127"/>
+                <a:ea typeface="나눔스퀘어라운드 Bold" panose="020B0600000101010101" pitchFamily="50" charset="-127"/>
+              </a:rPr>
+              <a:t>인터셉터에서</a:t>
+            </a:r>
+            <a:r>
+              <a:rPr lang="ko-KR" altLang="en-US" dirty="0">
+                <a:latin typeface="나눔스퀘어라운드 Bold" panose="020B0600000101010101" pitchFamily="50" charset="-127"/>
+                <a:ea typeface="나눔스퀘어라운드 Bold" panose="020B0600000101010101" pitchFamily="50" charset="-127"/>
+              </a:rPr>
+              <a:t> 일정시간</a:t>
+            </a:r>
+            <a:r>
+              <a:rPr lang="en-US" altLang="ko-KR" dirty="0">
+                <a:latin typeface="나눔스퀘어라운드 Bold" panose="020B0600000101010101" pitchFamily="50" charset="-127"/>
+                <a:ea typeface="나눔스퀘어라운드 Bold" panose="020B0600000101010101" pitchFamily="50" charset="-127"/>
+              </a:rPr>
+              <a:t>(30</a:t>
+            </a:r>
+            <a:r>
+              <a:rPr lang="ko-KR" altLang="en-US" dirty="0">
+                <a:latin typeface="나눔스퀘어라운드 Bold" panose="020B0600000101010101" pitchFamily="50" charset="-127"/>
+                <a:ea typeface="나눔스퀘어라운드 Bold" panose="020B0600000101010101" pitchFamily="50" charset="-127"/>
+              </a:rPr>
+              <a:t>일</a:t>
+            </a:r>
+            <a:r>
+              <a:rPr lang="en-US" altLang="ko-KR" dirty="0">
+                <a:latin typeface="나눔스퀘어라운드 Bold" panose="020B0600000101010101" pitchFamily="50" charset="-127"/>
+                <a:ea typeface="나눔스퀘어라운드 Bold" panose="020B0600000101010101" pitchFamily="50" charset="-127"/>
+              </a:rPr>
+              <a:t>)</a:t>
+            </a:r>
+            <a:r>
+              <a:rPr lang="ko-KR" altLang="en-US" dirty="0">
+                <a:latin typeface="나눔스퀘어라운드 Bold" panose="020B0600000101010101" pitchFamily="50" charset="-127"/>
+                <a:ea typeface="나눔스퀘어라운드 Bold" panose="020B0600000101010101" pitchFamily="50" charset="-127"/>
+              </a:rPr>
+              <a:t>이 지난 장바구니들은 일괄 제거</a:t>
+            </a:r>
+          </a:p>
+        </p:txBody>
+      </p:sp>
+    </p:spTree>
+    <p:extLst>
+      <p:ext uri="{BB962C8B-B14F-4D97-AF65-F5344CB8AC3E}">
+        <p14:creationId xmlns:p14="http://schemas.microsoft.com/office/powerpoint/2010/main" val="2609144362"/>
+      </p:ext>
+    </p:extLst>
+  </p:cSld>
+  <p:clrMapOvr>
+    <a:masterClrMapping/>
+  </p:clrMapOvr>
+  <p:timing>
+    <p:tnLst>
+      <p:par>
+        <p:cTn id="1" dur="indefinite" restart="never" nodeType="tmRoot"/>
+      </p:par>
+    </p:tnLst>
+  </p:timing>
+</p:sld>
+</file>
+
+<file path=ppt/slides/slide22.xml><?xml version="1.0" encoding="utf-8"?>
+<p:sld xmlns:a="http://schemas.openxmlformats.org/drawingml/2006/main" xmlns:r="http://schemas.openxmlformats.org/officeDocument/2006/relationships" xmlns:p="http://schemas.openxmlformats.org/presentationml/2006/main">
+  <p:cSld>
+    <p:spTree>
+      <p:nvGrpSpPr>
+        <p:cNvPr id="1" name=""/>
+        <p:cNvGrpSpPr/>
+        <p:nvPr/>
+      </p:nvGrpSpPr>
+      <p:grpSpPr>
+        <a:xfrm>
+          <a:off x="0" y="0"/>
+          <a:ext cx="0" cy="0"/>
+          <a:chOff x="0" y="0"/>
+          <a:chExt cx="0" cy="0"/>
+        </a:xfrm>
+      </p:grpSpPr>
+      <p:sp>
+        <p:nvSpPr>
+          <p:cNvPr id="7" name="제목 6"/>
+          <p:cNvSpPr>
+            <a:spLocks noGrp="1"/>
+          </p:cNvSpPr>
+          <p:nvPr>
+            <p:ph type="title"/>
+          </p:nvPr>
+        </p:nvSpPr>
+        <p:spPr/>
+        <p:txBody>
+          <a:bodyPr/>
+          <a:lstStyle/>
+          <a:p>
+            <a:r>
+              <a:rPr lang="en-US" altLang="ko-KR" b="1" dirty="0" smtClean="0">
+                <a:latin typeface="나눔스퀘어라운드 Bold" panose="020B0600000101010101" pitchFamily="50" charset="-127"/>
+                <a:ea typeface="나눔스퀘어라운드 Bold" panose="020B0600000101010101" pitchFamily="50" charset="-127"/>
+              </a:rPr>
               <a:t>3. </a:t>
             </a:r>
             <a:r>
@@ -6288,10 +6605,17 @@
   <p:clrMapOvr>
     <a:masterClrMapping/>
   </p:clrMapOvr>
+  <p:timing>
+    <p:tnLst>
+      <p:par>
+        <p:cTn id="1" dur="indefinite" restart="never" nodeType="tmRoot"/>
+      </p:par>
+    </p:tnLst>
+  </p:timing>
 </p:sld>
 </file>
 
-<file path=ppt/slides/slide22.xml><?xml version="1.0" encoding="utf-8"?>
+<file path=ppt/slides/slide23.xml><?xml version="1.0" encoding="utf-8"?>
 <p:sld xmlns:a="http://schemas.openxmlformats.org/drawingml/2006/main" xmlns:r="http://schemas.openxmlformats.org/officeDocument/2006/relationships" xmlns:p="http://schemas.openxmlformats.org/presentationml/2006/main">
   <p:cSld>
     <p:spTree>
@@ -6708,10 +7032,17 @@
   <p:clrMapOvr>
     <a:masterClrMapping/>
   </p:clrMapOvr>
+  <p:timing>
+    <p:tnLst>
+      <p:par>
+        <p:cTn id="1" dur="indefinite" restart="never" nodeType="tmRoot"/>
+      </p:par>
+    </p:tnLst>
+  </p:timing>
 </p:sld>
 </file>
 
-<file path=ppt/slides/slide23.xml><?xml version="1.0" encoding="utf-8"?>
+<file path=ppt/slides/slide24.xml><?xml version="1.0" encoding="utf-8"?>
 <p:sld xmlns:a="http://schemas.openxmlformats.org/drawingml/2006/main" xmlns:r="http://schemas.openxmlformats.org/officeDocument/2006/relationships" xmlns:p="http://schemas.openxmlformats.org/presentationml/2006/main">
   <p:cSld>
     <p:spTree>
@@ -6907,10 +7238,17 @@
   <p:clrMapOvr>
     <a:masterClrMapping/>
   </p:clrMapOvr>
+  <p:timing>
+    <p:tnLst>
+      <p:par>
+        <p:cTn id="1" dur="indefinite" restart="never" nodeType="tmRoot"/>
+      </p:par>
+    </p:tnLst>
+  </p:timing>
 </p:sld>
 </file>
 
-<file path=ppt/slides/slide24.xml><?xml version="1.0" encoding="utf-8"?>
+<file path=ppt/slides/slide25.xml><?xml version="1.0" encoding="utf-8"?>
 <p:sld xmlns:a="http://schemas.openxmlformats.org/drawingml/2006/main" xmlns:r="http://schemas.openxmlformats.org/officeDocument/2006/relationships" xmlns:p="http://schemas.openxmlformats.org/presentationml/2006/main">
   <p:cSld>
     <p:spTree>
@@ -7066,10 +7404,17 @@
   <p:clrMapOvr>
     <a:masterClrMapping/>
   </p:clrMapOvr>
+  <p:timing>
+    <p:tnLst>
+      <p:par>
+        <p:cTn id="1" dur="indefinite" restart="never" nodeType="tmRoot"/>
+      </p:par>
+    </p:tnLst>
+  </p:timing>
 </p:sld>
 </file>
 
-<file path=ppt/slides/slide25.xml><?xml version="1.0" encoding="utf-8"?>
+<file path=ppt/slides/slide26.xml><?xml version="1.0" encoding="utf-8"?>
 <p:sld xmlns:a="http://schemas.openxmlformats.org/drawingml/2006/main" xmlns:r="http://schemas.openxmlformats.org/officeDocument/2006/relationships" xmlns:p="http://schemas.openxmlformats.org/presentationml/2006/main">
   <p:cSld>
     <p:spTree>
@@ -7189,7 +7534,7 @@
 </p:sld>
 </file>
 
-<file path=ppt/slides/slide26.xml><?xml version="1.0" encoding="utf-8"?>
+<file path=ppt/slides/slide27.xml><?xml version="1.0" encoding="utf-8"?>
 <p:sld xmlns:a="http://schemas.openxmlformats.org/drawingml/2006/main" xmlns:r="http://schemas.openxmlformats.org/officeDocument/2006/relationships" xmlns:p="http://schemas.openxmlformats.org/presentationml/2006/main">
   <p:cSld>
     <p:spTree>
@@ -7592,25 +7937,11 @@
               <a:t>1. </a:t>
             </a:r>
             <a:r>
-              <a:rPr lang="ko-KR" altLang="en-US" b="1" dirty="0" smtClean="0">
-                <a:latin typeface="나눔스퀘어라운드 Bold" panose="020B0600000101010101" pitchFamily="50" charset="-127"/>
-                <a:ea typeface="나눔스퀘어라운드 Bold" panose="020B0600000101010101" pitchFamily="50" charset="-127"/>
-              </a:rPr>
-              <a:t>개발환경 </a:t>
-            </a:r>
-            <a:r>
-              <a:rPr lang="ko-KR" altLang="en-US" dirty="0">
-                <a:latin typeface="나눔스퀘어라운드 Bold" panose="020B0600000101010101" pitchFamily="50" charset="-127"/>
-                <a:ea typeface="나눔스퀘어라운드 Bold" panose="020B0600000101010101" pitchFamily="50" charset="-127"/>
-              </a:rPr>
-              <a:t>과 </a:t>
-            </a:r>
-            <a:r>
               <a:rPr lang="ko-KR" altLang="en-US" b="1" dirty="0">
                 <a:latin typeface="나눔스퀘어라운드 Bold" panose="020B0600000101010101" pitchFamily="50" charset="-127"/>
                 <a:ea typeface="나눔스퀘어라운드 Bold" panose="020B0600000101010101" pitchFamily="50" charset="-127"/>
               </a:rPr>
-              <a:t>테스트 방법</a:t>
+              <a:t>개발구성</a:t>
             </a:r>
             <a:endParaRPr lang="en-US" altLang="ko-KR" dirty="0">
               <a:latin typeface="나눔스퀘어라운드 Bold" panose="020B0600000101010101" pitchFamily="50" charset="-127"/>
@@ -7619,9 +7950,57 @@
           </a:p>
         </p:txBody>
       </p:sp>
+      <p:sp>
+        <p:nvSpPr>
+          <p:cNvPr id="4" name="TextBox 3"/>
+          <p:cNvSpPr txBox="1"/>
+          <p:nvPr/>
+        </p:nvSpPr>
+        <p:spPr>
+          <a:xfrm>
+            <a:off x="1341120" y="2024479"/>
+            <a:ext cx="9814560" cy="400110"/>
+          </a:xfrm>
+          <a:prstGeom prst="rect">
+            <a:avLst/>
+          </a:prstGeom>
+          <a:noFill/>
+        </p:spPr>
+        <p:txBody>
+          <a:bodyPr wrap="square" rtlCol="0">
+            <a:spAutoFit/>
+          </a:bodyPr>
+          <a:lstStyle/>
+          <a:p>
+            <a:r>
+              <a:rPr lang="ko-KR" altLang="en-US" sz="2000" dirty="0" smtClean="0">
+                <a:solidFill>
+                  <a:schemeClr val="tx1">
+                    <a:lumMod val="75000"/>
+                    <a:lumOff val="25000"/>
+                  </a:schemeClr>
+                </a:solidFill>
+                <a:latin typeface="나눔스퀘어라운드 Bold" panose="020B0600000101010101" pitchFamily="50" charset="-127"/>
+                <a:ea typeface="나눔스퀘어라운드 Bold" panose="020B0600000101010101" pitchFamily="50" charset="-127"/>
+              </a:rPr>
+              <a:t>기본구조</a:t>
+            </a:r>
+            <a:endParaRPr lang="ko-KR" altLang="en-US" sz="2000" dirty="0">
+              <a:solidFill>
+                <a:schemeClr val="tx1">
+                  <a:lumMod val="75000"/>
+                  <a:lumOff val="25000"/>
+                </a:schemeClr>
+              </a:solidFill>
+              <a:latin typeface="나눔스퀘어라운드 Bold" panose="020B0600000101010101" pitchFamily="50" charset="-127"/>
+              <a:ea typeface="나눔스퀘어라운드 Bold" panose="020B0600000101010101" pitchFamily="50" charset="-127"/>
+            </a:endParaRPr>
+          </a:p>
+        </p:txBody>
+      </p:sp>
       <p:pic>
         <p:nvPicPr>
-          <p:cNvPr id="9" name="내용 개체 틀 8"/>
+          <p:cNvPr id="12" name="내용 개체 틀 11"/>
           <p:cNvPicPr>
             <a:picLocks noGrp="1" noChangeAspect="1"/>
           </p:cNvPicPr>
@@ -7637,8 +8016,8 @@
         </p:blipFill>
         <p:spPr>
           <a:xfrm>
-            <a:off x="2320607" y="1970723"/>
-            <a:ext cx="7611745" cy="3978525"/>
+            <a:off x="1496854" y="3367028"/>
+            <a:ext cx="9262586" cy="1465905"/>
           </a:xfrm>
           <a:prstGeom prst="rect">
             <a:avLst/>
@@ -7648,13 +8027,20 @@
     </p:spTree>
     <p:extLst>
       <p:ext uri="{BB962C8B-B14F-4D97-AF65-F5344CB8AC3E}">
-        <p14:creationId xmlns:p14="http://schemas.microsoft.com/office/powerpoint/2010/main" val="3093817999"/>
+        <p14:creationId xmlns:p14="http://schemas.microsoft.com/office/powerpoint/2010/main" val="47262545"/>
       </p:ext>
     </p:extLst>
   </p:cSld>
   <p:clrMapOvr>
     <a:masterClrMapping/>
   </p:clrMapOvr>
+  <p:timing>
+    <p:tnLst>
+      <p:par>
+        <p:cTn id="1" dur="indefinite" restart="never" nodeType="tmRoot"/>
+      </p:par>
+    </p:tnLst>
+  </p:timing>
 </p:sld>
 </file>
 
@@ -7702,22 +8088,159 @@
                 <a:latin typeface="나눔스퀘어라운드 Bold" panose="020B0600000101010101" pitchFamily="50" charset="-127"/>
                 <a:ea typeface="나눔스퀘어라운드 Bold" panose="020B0600000101010101" pitchFamily="50" charset="-127"/>
               </a:rPr>
-              <a:t>개발환경 </a:t>
-            </a:r>
-            <a:r>
-              <a:rPr lang="ko-KR" altLang="en-US" dirty="0">
-                <a:latin typeface="나눔스퀘어라운드 Bold" panose="020B0600000101010101" pitchFamily="50" charset="-127"/>
-                <a:ea typeface="나눔스퀘어라운드 Bold" panose="020B0600000101010101" pitchFamily="50" charset="-127"/>
-              </a:rPr>
-              <a:t>과 </a:t>
+              <a:t>개발구성</a:t>
+            </a:r>
+            <a:endParaRPr lang="en-US" altLang="ko-KR" dirty="0">
+              <a:latin typeface="나눔스퀘어라운드 Bold" panose="020B0600000101010101" pitchFamily="50" charset="-127"/>
+              <a:ea typeface="나눔스퀘어라운드 Bold" panose="020B0600000101010101" pitchFamily="50" charset="-127"/>
+            </a:endParaRPr>
+          </a:p>
+        </p:txBody>
+      </p:sp>
+      <p:pic>
+        <p:nvPicPr>
+          <p:cNvPr id="9" name="내용 개체 틀 8"/>
+          <p:cNvPicPr>
+            <a:picLocks noGrp="1" noChangeAspect="1"/>
+          </p:cNvPicPr>
+          <p:nvPr>
+            <p:ph idx="1"/>
+          </p:nvPr>
+        </p:nvPicPr>
+        <p:blipFill>
+          <a:blip r:embed="rId2"/>
+          <a:stretch>
+            <a:fillRect/>
+          </a:stretch>
+        </p:blipFill>
+        <p:spPr>
+          <a:xfrm>
+            <a:off x="2320607" y="1970723"/>
+            <a:ext cx="7611745" cy="3978525"/>
+          </a:xfrm>
+          <a:prstGeom prst="rect">
+            <a:avLst/>
+          </a:prstGeom>
+        </p:spPr>
+      </p:pic>
+      <p:sp>
+        <p:nvSpPr>
+          <p:cNvPr id="4" name="TextBox 3"/>
+          <p:cNvSpPr txBox="1"/>
+          <p:nvPr/>
+        </p:nvSpPr>
+        <p:spPr>
+          <a:xfrm>
+            <a:off x="1341120" y="2024479"/>
+            <a:ext cx="9814560" cy="400110"/>
+          </a:xfrm>
+          <a:prstGeom prst="rect">
+            <a:avLst/>
+          </a:prstGeom>
+          <a:noFill/>
+        </p:spPr>
+        <p:txBody>
+          <a:bodyPr wrap="square" rtlCol="0">
+            <a:spAutoFit/>
+          </a:bodyPr>
+          <a:lstStyle/>
+          <a:p>
+            <a:r>
+              <a:rPr lang="ko-KR" altLang="en-US" sz="2000" dirty="0" smtClean="0">
+                <a:solidFill>
+                  <a:schemeClr val="tx1">
+                    <a:lumMod val="75000"/>
+                    <a:lumOff val="25000"/>
+                  </a:schemeClr>
+                </a:solidFill>
+                <a:latin typeface="나눔스퀘어라운드 Bold" panose="020B0600000101010101" pitchFamily="50" charset="-127"/>
+                <a:ea typeface="나눔스퀘어라운드 Bold" panose="020B0600000101010101" pitchFamily="50" charset="-127"/>
+              </a:rPr>
+              <a:t>개발환경</a:t>
+            </a:r>
+            <a:endParaRPr lang="ko-KR" altLang="en-US" sz="2000" dirty="0">
+              <a:solidFill>
+                <a:schemeClr val="tx1">
+                  <a:lumMod val="75000"/>
+                  <a:lumOff val="25000"/>
+                </a:schemeClr>
+              </a:solidFill>
+              <a:latin typeface="나눔스퀘어라운드 Bold" panose="020B0600000101010101" pitchFamily="50" charset="-127"/>
+              <a:ea typeface="나눔스퀘어라운드 Bold" panose="020B0600000101010101" pitchFamily="50" charset="-127"/>
+            </a:endParaRPr>
+          </a:p>
+        </p:txBody>
+      </p:sp>
+    </p:spTree>
+    <p:extLst>
+      <p:ext uri="{BB962C8B-B14F-4D97-AF65-F5344CB8AC3E}">
+        <p14:creationId xmlns:p14="http://schemas.microsoft.com/office/powerpoint/2010/main" val="3093817999"/>
+      </p:ext>
+    </p:extLst>
+  </p:cSld>
+  <p:clrMapOvr>
+    <a:masterClrMapping/>
+  </p:clrMapOvr>
+  <p:timing>
+    <p:tnLst>
+      <p:par>
+        <p:cTn id="1" dur="indefinite" restart="never" nodeType="tmRoot"/>
+      </p:par>
+    </p:tnLst>
+  </p:timing>
+</p:sld>
+</file>
+
+<file path=ppt/slides/slide5.xml><?xml version="1.0" encoding="utf-8"?>
+<p:sld xmlns:a="http://schemas.openxmlformats.org/drawingml/2006/main" xmlns:r="http://schemas.openxmlformats.org/officeDocument/2006/relationships" xmlns:p="http://schemas.openxmlformats.org/presentationml/2006/main">
+  <p:cSld>
+    <p:spTree>
+      <p:nvGrpSpPr>
+        <p:cNvPr id="1" name=""/>
+        <p:cNvGrpSpPr/>
+        <p:nvPr/>
+      </p:nvGrpSpPr>
+      <p:grpSpPr>
+        <a:xfrm>
+          <a:off x="0" y="0"/>
+          <a:ext cx="0" cy="0"/>
+          <a:chOff x="0" y="0"/>
+          <a:chExt cx="0" cy="0"/>
+        </a:xfrm>
+      </p:grpSpPr>
+      <p:sp>
+        <p:nvSpPr>
+          <p:cNvPr id="7" name="제목 6"/>
+          <p:cNvSpPr>
+            <a:spLocks noGrp="1"/>
+          </p:cNvSpPr>
+          <p:nvPr>
+            <p:ph type="title"/>
+          </p:nvPr>
+        </p:nvSpPr>
+        <p:spPr/>
+        <p:txBody>
+          <a:bodyPr/>
+          <a:lstStyle/>
+          <a:p>
+            <a:r>
+              <a:rPr lang="en-US" altLang="ko-KR" b="1" dirty="0">
+                <a:latin typeface="나눔스퀘어라운드 Bold" panose="020B0600000101010101" pitchFamily="50" charset="-127"/>
+                <a:ea typeface="나눔스퀘어라운드 Bold" panose="020B0600000101010101" pitchFamily="50" charset="-127"/>
+              </a:rPr>
+              <a:t>1. </a:t>
             </a:r>
             <a:r>
               <a:rPr lang="ko-KR" altLang="en-US" b="1" dirty="0">
                 <a:latin typeface="나눔스퀘어라운드 Bold" panose="020B0600000101010101" pitchFamily="50" charset="-127"/>
                 <a:ea typeface="나눔스퀘어라운드 Bold" panose="020B0600000101010101" pitchFamily="50" charset="-127"/>
               </a:rPr>
-              <a:t>테스트 방법</a:t>
-            </a:r>
+              <a:t>개발구성</a:t>
+            </a:r>
+            <a:endParaRPr lang="ko-KR" altLang="en-US" b="1" dirty="0">
+              <a:latin typeface="나눔스퀘어라운드 Bold" panose="020B0600000101010101" pitchFamily="50" charset="-127"/>
+              <a:ea typeface="나눔스퀘어라운드 Bold" panose="020B0600000101010101" pitchFamily="50" charset="-127"/>
+            </a:endParaRPr>
           </a:p>
         </p:txBody>
       </p:sp>
@@ -7747,6 +8270,54 @@
           </a:prstGeom>
         </p:spPr>
       </p:pic>
+      <p:sp>
+        <p:nvSpPr>
+          <p:cNvPr id="4" name="TextBox 3"/>
+          <p:cNvSpPr txBox="1"/>
+          <p:nvPr/>
+        </p:nvSpPr>
+        <p:spPr>
+          <a:xfrm>
+            <a:off x="1341120" y="2024479"/>
+            <a:ext cx="9814560" cy="400110"/>
+          </a:xfrm>
+          <a:prstGeom prst="rect">
+            <a:avLst/>
+          </a:prstGeom>
+          <a:noFill/>
+        </p:spPr>
+        <p:txBody>
+          <a:bodyPr wrap="square" rtlCol="0">
+            <a:spAutoFit/>
+          </a:bodyPr>
+          <a:lstStyle/>
+          <a:p>
+            <a:r>
+              <a:rPr lang="ko-KR" altLang="en-US" sz="2000" dirty="0" smtClean="0">
+                <a:solidFill>
+                  <a:schemeClr val="tx1">
+                    <a:lumMod val="75000"/>
+                    <a:lumOff val="25000"/>
+                  </a:schemeClr>
+                </a:solidFill>
+                <a:latin typeface="나눔스퀘어라운드 Bold" panose="020B0600000101010101" pitchFamily="50" charset="-127"/>
+                <a:ea typeface="나눔스퀘어라운드 Bold" panose="020B0600000101010101" pitchFamily="50" charset="-127"/>
+              </a:rPr>
+              <a:t>테스트 방법</a:t>
+            </a:r>
+            <a:endParaRPr lang="ko-KR" altLang="en-US" sz="2000" dirty="0">
+              <a:solidFill>
+                <a:schemeClr val="tx1">
+                  <a:lumMod val="75000"/>
+                  <a:lumOff val="25000"/>
+                </a:schemeClr>
+              </a:solidFill>
+              <a:latin typeface="나눔스퀘어라운드 Bold" panose="020B0600000101010101" pitchFamily="50" charset="-127"/>
+              <a:ea typeface="나눔스퀘어라운드 Bold" panose="020B0600000101010101" pitchFamily="50" charset="-127"/>
+            </a:endParaRPr>
+          </a:p>
+        </p:txBody>
+      </p:sp>
     </p:spTree>
     <p:extLst>
       <p:ext uri="{BB962C8B-B14F-4D97-AF65-F5344CB8AC3E}">
@@ -7757,10 +8328,17 @@
   <p:clrMapOvr>
     <a:masterClrMapping/>
   </p:clrMapOvr>
+  <p:timing>
+    <p:tnLst>
+      <p:par>
+        <p:cTn id="1" dur="indefinite" restart="never" nodeType="tmRoot"/>
+      </p:par>
+    </p:tnLst>
+  </p:timing>
 </p:sld>
 </file>
 
-<file path=ppt/slides/slide5.xml><?xml version="1.0" encoding="utf-8"?>
+<file path=ppt/slides/slide6.xml><?xml version="1.0" encoding="utf-8"?>
 <p:sld xmlns:a="http://schemas.openxmlformats.org/drawingml/2006/main" xmlns:r="http://schemas.openxmlformats.org/officeDocument/2006/relationships" xmlns:p="http://schemas.openxmlformats.org/presentationml/2006/main">
   <p:cSld>
     <p:spTree>
@@ -7930,10 +8508,17 @@
   <p:clrMapOvr>
     <a:masterClrMapping/>
   </p:clrMapOvr>
+  <p:timing>
+    <p:tnLst>
+      <p:par>
+        <p:cTn id="1" dur="indefinite" restart="never" nodeType="tmRoot"/>
+      </p:par>
+    </p:tnLst>
+  </p:timing>
 </p:sld>
 </file>
 
-<file path=ppt/slides/slide6.xml><?xml version="1.0" encoding="utf-8"?>
+<file path=ppt/slides/slide7.xml><?xml version="1.0" encoding="utf-8"?>
 <p:sld xmlns:a="http://schemas.openxmlformats.org/drawingml/2006/main" xmlns:r="http://schemas.openxmlformats.org/officeDocument/2006/relationships" xmlns:p="http://schemas.openxmlformats.org/presentationml/2006/main">
   <p:cSld>
     <p:spTree>
@@ -8117,10 +8702,17 @@
   <p:clrMapOvr>
     <a:masterClrMapping/>
   </p:clrMapOvr>
+  <p:timing>
+    <p:tnLst>
+      <p:par>
+        <p:cTn id="1" dur="indefinite" restart="never" nodeType="tmRoot"/>
+      </p:par>
+    </p:tnLst>
+  </p:timing>
 </p:sld>
 </file>
 
-<file path=ppt/slides/slide7.xml><?xml version="1.0" encoding="utf-8"?>
+<file path=ppt/slides/slide8.xml><?xml version="1.0" encoding="utf-8"?>
 <p:sld xmlns:a="http://schemas.openxmlformats.org/drawingml/2006/main" xmlns:r="http://schemas.openxmlformats.org/officeDocument/2006/relationships" xmlns:p="http://schemas.openxmlformats.org/presentationml/2006/main">
   <p:cSld>
     <p:spTree>
@@ -8276,10 +8868,17 @@
   <p:clrMapOvr>
     <a:masterClrMapping/>
   </p:clrMapOvr>
+  <p:timing>
+    <p:tnLst>
+      <p:par>
+        <p:cTn id="1" dur="indefinite" restart="never" nodeType="tmRoot"/>
+      </p:par>
+    </p:tnLst>
+  </p:timing>
 </p:sld>
 </file>
 
-<file path=ppt/slides/slide8.xml><?xml version="1.0" encoding="utf-8"?>
+<file path=ppt/slides/slide9.xml><?xml version="1.0" encoding="utf-8"?>
 <p:sld xmlns:a="http://schemas.openxmlformats.org/drawingml/2006/main" xmlns:r="http://schemas.openxmlformats.org/officeDocument/2006/relationships" xmlns:p="http://schemas.openxmlformats.org/presentationml/2006/main">
   <p:cSld>
     <p:spTree>
@@ -8435,249 +9034,13 @@
   <p:clrMapOvr>
     <a:masterClrMapping/>
   </p:clrMapOvr>
-</p:sld>
-</file>
-
-<file path=ppt/slides/slide9.xml><?xml version="1.0" encoding="utf-8"?>
-<p:sld xmlns:a="http://schemas.openxmlformats.org/drawingml/2006/main" xmlns:r="http://schemas.openxmlformats.org/officeDocument/2006/relationships" xmlns:p="http://schemas.openxmlformats.org/presentationml/2006/main">
-  <p:cSld>
-    <p:spTree>
-      <p:nvGrpSpPr>
-        <p:cNvPr id="1" name=""/>
-        <p:cNvGrpSpPr/>
-        <p:nvPr/>
-      </p:nvGrpSpPr>
-      <p:grpSpPr>
-        <a:xfrm>
-          <a:off x="0" y="0"/>
-          <a:ext cx="0" cy="0"/>
-          <a:chOff x="0" y="0"/>
-          <a:chExt cx="0" cy="0"/>
-        </a:xfrm>
-      </p:grpSpPr>
-      <p:sp>
-        <p:nvSpPr>
-          <p:cNvPr id="7" name="제목 6"/>
-          <p:cNvSpPr>
-            <a:spLocks noGrp="1"/>
-          </p:cNvSpPr>
-          <p:nvPr>
-            <p:ph type="title"/>
-          </p:nvPr>
-        </p:nvSpPr>
-        <p:spPr/>
-        <p:txBody>
-          <a:bodyPr/>
-          <a:lstStyle/>
-          <a:p>
-            <a:r>
-              <a:rPr lang="en-US" altLang="ko-KR" b="1" dirty="0" smtClean="0">
-                <a:latin typeface="나눔스퀘어라운드 Bold" panose="020B0600000101010101" pitchFamily="50" charset="-127"/>
-                <a:ea typeface="나눔스퀘어라운드 Bold" panose="020B0600000101010101" pitchFamily="50" charset="-127"/>
-              </a:rPr>
-              <a:t>2. </a:t>
-            </a:r>
-            <a:r>
-              <a:rPr lang="ko-KR" altLang="en-US" b="1" dirty="0" err="1">
-                <a:latin typeface="나눔스퀘어라운드 Bold" panose="020B0600000101010101" pitchFamily="50" charset="-127"/>
-                <a:ea typeface="나눔스퀘어라운드 Bold" panose="020B0600000101010101" pitchFamily="50" charset="-127"/>
-              </a:rPr>
-              <a:t>고민했던것들</a:t>
-            </a:r>
-            <a:endParaRPr lang="en-US" altLang="ko-KR" b="1" dirty="0">
-              <a:latin typeface="나눔스퀘어라운드 Bold" panose="020B0600000101010101" pitchFamily="50" charset="-127"/>
-              <a:ea typeface="나눔스퀘어라운드 Bold" panose="020B0600000101010101" pitchFamily="50" charset="-127"/>
-            </a:endParaRPr>
-          </a:p>
-        </p:txBody>
-      </p:sp>
-      <p:sp>
-        <p:nvSpPr>
-          <p:cNvPr id="2" name="내용 개체 틀 1"/>
-          <p:cNvSpPr>
-            <a:spLocks noGrp="1"/>
-          </p:cNvSpPr>
-          <p:nvPr>
-            <p:ph idx="1"/>
-          </p:nvPr>
-        </p:nvSpPr>
-        <p:spPr/>
-        <p:txBody>
-          <a:bodyPr/>
-          <a:lstStyle/>
-          <a:p>
-            <a:pPr>
-              <a:lnSpc>
-                <a:spcPct val="150000"/>
-              </a:lnSpc>
-            </a:pPr>
-            <a:r>
-              <a:rPr lang="en-US" altLang="ko-KR" dirty="0" smtClean="0">
-                <a:latin typeface="나눔스퀘어라운드 Bold" panose="020B0600000101010101" pitchFamily="50" charset="-127"/>
-                <a:ea typeface="나눔스퀘어라운드 Bold" panose="020B0600000101010101" pitchFamily="50" charset="-127"/>
-              </a:rPr>
-              <a:t>- </a:t>
-            </a:r>
-            <a:r>
-              <a:rPr lang="ko-KR" altLang="en-US" dirty="0" smtClean="0">
-                <a:latin typeface="나눔스퀘어라운드 Bold" panose="020B0600000101010101" pitchFamily="50" charset="-127"/>
-                <a:ea typeface="나눔스퀘어라운드 Bold" panose="020B0600000101010101" pitchFamily="50" charset="-127"/>
-              </a:rPr>
-              <a:t>주문 중 재고관리 </a:t>
-            </a:r>
-            <a:r>
-              <a:rPr lang="en-US" altLang="ko-KR" dirty="0" smtClean="0">
-                <a:latin typeface="나눔스퀘어라운드 Bold" panose="020B0600000101010101" pitchFamily="50" charset="-127"/>
-                <a:ea typeface="나눔스퀘어라운드 Bold" panose="020B0600000101010101" pitchFamily="50" charset="-127"/>
-              </a:rPr>
-              <a:t>: </a:t>
-            </a:r>
-            <a:r>
-              <a:rPr lang="ko-KR" altLang="en-US" dirty="0" smtClean="0">
-                <a:latin typeface="나눔스퀘어라운드 Bold" panose="020B0600000101010101" pitchFamily="50" charset="-127"/>
-                <a:ea typeface="나눔스퀘어라운드 Bold" panose="020B0600000101010101" pitchFamily="50" charset="-127"/>
-              </a:rPr>
-              <a:t>사용자가 주문서를 작성하고 있는데 다른 사용자가 먼저 구매해서 재고가 부족해진다면</a:t>
-            </a:r>
-            <a:r>
-              <a:rPr lang="en-US" altLang="ko-KR" dirty="0" smtClean="0">
-                <a:latin typeface="나눔스퀘어라운드 Bold" panose="020B0600000101010101" pitchFamily="50" charset="-127"/>
-                <a:ea typeface="나눔스퀘어라운드 Bold" panose="020B0600000101010101" pitchFamily="50" charset="-127"/>
-              </a:rPr>
-              <a:t>?</a:t>
-            </a:r>
-          </a:p>
-          <a:p>
-            <a:pPr>
-              <a:lnSpc>
-                <a:spcPct val="150000"/>
-              </a:lnSpc>
-            </a:pPr>
-            <a:endParaRPr lang="en-US" altLang="ko-KR" dirty="0">
-              <a:latin typeface="나눔스퀘어라운드 Bold" panose="020B0600000101010101" pitchFamily="50" charset="-127"/>
-              <a:ea typeface="나눔스퀘어라운드 Bold" panose="020B0600000101010101" pitchFamily="50" charset="-127"/>
-            </a:endParaRPr>
-          </a:p>
-          <a:p>
-            <a:pPr>
-              <a:lnSpc>
-                <a:spcPct val="150000"/>
-              </a:lnSpc>
-            </a:pPr>
-            <a:r>
-              <a:rPr lang="en-US" altLang="ko-KR" dirty="0" smtClean="0">
-                <a:latin typeface="나눔스퀘어라운드 Bold" panose="020B0600000101010101" pitchFamily="50" charset="-127"/>
-                <a:ea typeface="나눔스퀘어라운드 Bold" panose="020B0600000101010101" pitchFamily="50" charset="-127"/>
-              </a:rPr>
-              <a:t>    1</a:t>
-            </a:r>
-            <a:r>
-              <a:rPr lang="en-US" altLang="ko-KR" dirty="0">
-                <a:latin typeface="나눔스퀘어라운드 Bold" panose="020B0600000101010101" pitchFamily="50" charset="-127"/>
-                <a:ea typeface="나눔스퀘어라운드 Bold" panose="020B0600000101010101" pitchFamily="50" charset="-127"/>
-              </a:rPr>
-              <a:t>) </a:t>
-            </a:r>
-            <a:r>
-              <a:rPr lang="ko-KR" altLang="en-US" dirty="0" smtClean="0">
-                <a:latin typeface="나눔스퀘어라운드 Bold" panose="020B0600000101010101" pitchFamily="50" charset="-127"/>
-                <a:ea typeface="나눔스퀘어라운드 Bold" panose="020B0600000101010101" pitchFamily="50" charset="-127"/>
-              </a:rPr>
-              <a:t>주문 </a:t>
-            </a:r>
-            <a:r>
-              <a:rPr lang="ko-KR" altLang="en-US" dirty="0">
-                <a:latin typeface="나눔스퀘어라운드 Bold" panose="020B0600000101010101" pitchFamily="50" charset="-127"/>
-                <a:ea typeface="나눔스퀘어라운드 Bold" panose="020B0600000101010101" pitchFamily="50" charset="-127"/>
-              </a:rPr>
-              <a:t>실패로 진행할 것인가</a:t>
-            </a:r>
-            <a:r>
-              <a:rPr lang="en-US" altLang="ko-KR" dirty="0">
-                <a:latin typeface="나눔스퀘어라운드 Bold" panose="020B0600000101010101" pitchFamily="50" charset="-127"/>
-                <a:ea typeface="나눔스퀘어라운드 Bold" panose="020B0600000101010101" pitchFamily="50" charset="-127"/>
-              </a:rPr>
-              <a:t>?</a:t>
-            </a:r>
-            <a:r>
-              <a:rPr lang="ko-KR" altLang="en-US" dirty="0">
-                <a:latin typeface="나눔스퀘어라운드 Bold" panose="020B0600000101010101" pitchFamily="50" charset="-127"/>
-                <a:ea typeface="나눔스퀘어라운드 Bold" panose="020B0600000101010101" pitchFamily="50" charset="-127"/>
-              </a:rPr>
-              <a:t/>
-            </a:r>
-            <a:br>
-              <a:rPr lang="ko-KR" altLang="en-US" dirty="0">
-                <a:latin typeface="나눔스퀘어라운드 Bold" panose="020B0600000101010101" pitchFamily="50" charset="-127"/>
-                <a:ea typeface="나눔스퀘어라운드 Bold" panose="020B0600000101010101" pitchFamily="50" charset="-127"/>
-              </a:rPr>
-            </a:br>
-            <a:r>
-              <a:rPr lang="ko-KR" altLang="en-US" dirty="0" smtClean="0">
-                <a:latin typeface="나눔스퀘어라운드 Bold" panose="020B0600000101010101" pitchFamily="50" charset="-127"/>
-                <a:ea typeface="나눔스퀘어라운드 Bold" panose="020B0600000101010101" pitchFamily="50" charset="-127"/>
-              </a:rPr>
-              <a:t>    </a:t>
-            </a:r>
-            <a:r>
-              <a:rPr lang="en-US" altLang="ko-KR" dirty="0" smtClean="0">
-                <a:latin typeface="나눔스퀘어라운드 Bold" panose="020B0600000101010101" pitchFamily="50" charset="-127"/>
-                <a:ea typeface="나눔스퀘어라운드 Bold" panose="020B0600000101010101" pitchFamily="50" charset="-127"/>
-              </a:rPr>
-              <a:t>2</a:t>
-            </a:r>
-            <a:r>
-              <a:rPr lang="en-US" altLang="ko-KR" dirty="0">
-                <a:latin typeface="나눔스퀘어라운드 Bold" panose="020B0600000101010101" pitchFamily="50" charset="-127"/>
-                <a:ea typeface="나눔스퀘어라운드 Bold" panose="020B0600000101010101" pitchFamily="50" charset="-127"/>
-              </a:rPr>
-              <a:t>) </a:t>
-            </a:r>
-            <a:r>
-              <a:rPr lang="ko-KR" altLang="en-US" dirty="0">
-                <a:latin typeface="나눔스퀘어라운드 Bold" panose="020B0600000101010101" pitchFamily="50" charset="-127"/>
-                <a:ea typeface="나눔스퀘어라운드 Bold" panose="020B0600000101010101" pitchFamily="50" charset="-127"/>
-              </a:rPr>
-              <a:t>아니면 </a:t>
-            </a:r>
-            <a:r>
-              <a:rPr lang="ko-KR" altLang="en-US" dirty="0" smtClean="0">
-                <a:latin typeface="나눔스퀘어라운드 Bold" panose="020B0600000101010101" pitchFamily="50" charset="-127"/>
-                <a:ea typeface="나눔스퀘어라운드 Bold" panose="020B0600000101010101" pitchFamily="50" charset="-127"/>
-              </a:rPr>
-              <a:t>미리 남은 재고를 수정해 놓고 주문서를 작성할 것인가</a:t>
-            </a:r>
-            <a:r>
-              <a:rPr lang="en-US" altLang="ko-KR" dirty="0" smtClean="0">
-                <a:latin typeface="나눔스퀘어라운드 Bold" panose="020B0600000101010101" pitchFamily="50" charset="-127"/>
-                <a:ea typeface="나눔스퀘어라운드 Bold" panose="020B0600000101010101" pitchFamily="50" charset="-127"/>
-              </a:rPr>
-              <a:t>?</a:t>
-            </a:r>
-          </a:p>
-          <a:p>
-            <a:pPr>
-              <a:lnSpc>
-                <a:spcPct val="150000"/>
-              </a:lnSpc>
-            </a:pPr>
-            <a:endParaRPr lang="ko-KR" altLang="en-US" dirty="0">
-              <a:latin typeface="나눔스퀘어라운드 Bold" panose="020B0600000101010101" pitchFamily="50" charset="-127"/>
-              <a:ea typeface="나눔스퀘어라운드 Bold" panose="020B0600000101010101" pitchFamily="50" charset="-127"/>
-            </a:endParaRPr>
-          </a:p>
-        </p:txBody>
-      </p:sp>
-    </p:spTree>
-    <p:extLst>
-      <p:ext uri="{BB962C8B-B14F-4D97-AF65-F5344CB8AC3E}">
-        <p14:creationId xmlns:p14="http://schemas.microsoft.com/office/powerpoint/2010/main" val="3006112203"/>
-      </p:ext>
-    </p:extLst>
-  </p:cSld>
-  <p:clrMapOvr>
-    <a:masterClrMapping/>
-  </p:clrMapOvr>
+  <p:timing>
+    <p:tnLst>
+      <p:par>
+        <p:cTn id="1" dur="indefinite" restart="never" nodeType="tmRoot"/>
+      </p:par>
+    </p:tnLst>
+  </p:timing>
 </p:sld>
 </file>
 

--- a/윤민호 발표.pptx
+++ b/윤민호 발표.pptx
@@ -364,7 +364,7 @@
           <a:p>
             <a:fld id="{82529F04-CEF5-4360-B38A-C8057BDD5598}" type="datetimeFigureOut">
               <a:rPr lang="ko-KR" altLang="en-US" smtClean="0"/>
-              <a:t>2019-08-20</a:t>
+              <a:t>2019-08-21</a:t>
             </a:fld>
             <a:endParaRPr lang="ko-KR" altLang="en-US"/>
           </a:p>
@@ -572,7 +572,7 @@
           <a:p>
             <a:fld id="{82529F04-CEF5-4360-B38A-C8057BDD5598}" type="datetimeFigureOut">
               <a:rPr lang="ko-KR" altLang="en-US" smtClean="0"/>
-              <a:t>2019-08-20</a:t>
+              <a:t>2019-08-21</a:t>
             </a:fld>
             <a:endParaRPr lang="ko-KR" altLang="en-US"/>
           </a:p>
@@ -828,7 +828,7 @@
           <a:p>
             <a:fld id="{82529F04-CEF5-4360-B38A-C8057BDD5598}" type="datetimeFigureOut">
               <a:rPr lang="ko-KR" altLang="en-US" smtClean="0"/>
-              <a:t>2019-08-20</a:t>
+              <a:t>2019-08-21</a:t>
             </a:fld>
             <a:endParaRPr lang="ko-KR" altLang="en-US"/>
           </a:p>
@@ -1002,7 +1002,7 @@
           <a:p>
             <a:fld id="{82529F04-CEF5-4360-B38A-C8057BDD5598}" type="datetimeFigureOut">
               <a:rPr lang="ko-KR" altLang="en-US" smtClean="0"/>
-              <a:t>2019-08-20</a:t>
+              <a:t>2019-08-21</a:t>
             </a:fld>
             <a:endParaRPr lang="ko-KR" altLang="en-US"/>
           </a:p>
@@ -1345,7 +1345,7 @@
           <a:p>
             <a:fld id="{82529F04-CEF5-4360-B38A-C8057BDD5598}" type="datetimeFigureOut">
               <a:rPr lang="ko-KR" altLang="en-US" smtClean="0"/>
-              <a:t>2019-08-20</a:t>
+              <a:t>2019-08-21</a:t>
             </a:fld>
             <a:endParaRPr lang="ko-KR" altLang="en-US"/>
           </a:p>
@@ -1620,7 +1620,7 @@
           <a:p>
             <a:fld id="{82529F04-CEF5-4360-B38A-C8057BDD5598}" type="datetimeFigureOut">
               <a:rPr lang="ko-KR" altLang="en-US" smtClean="0"/>
-              <a:t>2019-08-20</a:t>
+              <a:t>2019-08-21</a:t>
             </a:fld>
             <a:endParaRPr lang="ko-KR" altLang="en-US"/>
           </a:p>
@@ -1999,7 +1999,7 @@
           <a:p>
             <a:fld id="{82529F04-CEF5-4360-B38A-C8057BDD5598}" type="datetimeFigureOut">
               <a:rPr lang="ko-KR" altLang="en-US" smtClean="0"/>
-              <a:t>2019-08-20</a:t>
+              <a:t>2019-08-21</a:t>
             </a:fld>
             <a:endParaRPr lang="ko-KR" altLang="en-US"/>
           </a:p>
@@ -2117,7 +2117,7 @@
           <a:p>
             <a:fld id="{82529F04-CEF5-4360-B38A-C8057BDD5598}" type="datetimeFigureOut">
               <a:rPr lang="ko-KR" altLang="en-US" smtClean="0"/>
-              <a:t>2019-08-20</a:t>
+              <a:t>2019-08-21</a:t>
             </a:fld>
             <a:endParaRPr lang="ko-KR" altLang="en-US"/>
           </a:p>
@@ -2288,7 +2288,7 @@
           <a:p>
             <a:fld id="{82529F04-CEF5-4360-B38A-C8057BDD5598}" type="datetimeFigureOut">
               <a:rPr lang="ko-KR" altLang="en-US" smtClean="0"/>
-              <a:t>2019-08-20</a:t>
+              <a:t>2019-08-21</a:t>
             </a:fld>
             <a:endParaRPr lang="ko-KR" altLang="en-US"/>
           </a:p>
@@ -2642,7 +2642,7 @@
           <a:p>
             <a:fld id="{82529F04-CEF5-4360-B38A-C8057BDD5598}" type="datetimeFigureOut">
               <a:rPr lang="ko-KR" altLang="en-US" smtClean="0"/>
-              <a:t>2019-08-20</a:t>
+              <a:t>2019-08-21</a:t>
             </a:fld>
             <a:endParaRPr lang="ko-KR" altLang="en-US"/>
           </a:p>
@@ -3024,7 +3024,7 @@
           <a:p>
             <a:fld id="{82529F04-CEF5-4360-B38A-C8057BDD5598}" type="datetimeFigureOut">
               <a:rPr lang="ko-KR" altLang="en-US" smtClean="0"/>
-              <a:t>2019-08-20</a:t>
+              <a:t>2019-08-21</a:t>
             </a:fld>
             <a:endParaRPr lang="ko-KR" altLang="en-US"/>
           </a:p>
@@ -3311,7 +3311,7 @@
           <a:p>
             <a:fld id="{82529F04-CEF5-4360-B38A-C8057BDD5598}" type="datetimeFigureOut">
               <a:rPr lang="ko-KR" altLang="en-US" smtClean="0"/>
-              <a:t>2019-08-20</a:t>
+              <a:t>2019-08-21</a:t>
             </a:fld>
             <a:endParaRPr lang="ko-KR" altLang="en-US"/>
           </a:p>
@@ -5840,6 +5840,39 @@
               </a:lnSpc>
               <a:buNone/>
             </a:pPr>
+            <a:endParaRPr lang="en-US" altLang="ko-KR" sz="2000" dirty="0" smtClean="0">
+              <a:latin typeface="나눔스퀘어라운드 Bold" panose="020B0600000101010101" pitchFamily="50" charset="-127"/>
+              <a:ea typeface="나눔스퀘어라운드 Bold" panose="020B0600000101010101" pitchFamily="50" charset="-127"/>
+            </a:endParaRPr>
+          </a:p>
+          <a:p>
+            <a:pPr marL="201168" lvl="1" indent="0">
+              <a:lnSpc>
+                <a:spcPct val="150000"/>
+              </a:lnSpc>
+              <a:buNone/>
+            </a:pPr>
+            <a:r>
+              <a:rPr lang="en-US" altLang="ko-KR" sz="2000" dirty="0">
+                <a:latin typeface="나눔스퀘어라운드 Bold" panose="020B0600000101010101" pitchFamily="50" charset="-127"/>
+                <a:ea typeface="나눔스퀘어라운드 Bold" panose="020B0600000101010101" pitchFamily="50" charset="-127"/>
+              </a:rPr>
+              <a:t> </a:t>
+            </a:r>
+            <a:r>
+              <a:rPr lang="en-US" altLang="ko-KR" sz="2000" dirty="0" smtClean="0">
+                <a:latin typeface="나눔스퀘어라운드 Bold" panose="020B0600000101010101" pitchFamily="50" charset="-127"/>
+                <a:ea typeface="나눔스퀘어라운드 Bold" panose="020B0600000101010101" pitchFamily="50" charset="-127"/>
+              </a:rPr>
+              <a:t>   1) </a:t>
+            </a:r>
+            <a:r>
+              <a:rPr lang="ko-KR" altLang="en-US" sz="2000" dirty="0" smtClean="0">
+                <a:latin typeface="나눔스퀘어라운드 Bold" panose="020B0600000101010101" pitchFamily="50" charset="-127"/>
+                <a:ea typeface="나눔스퀘어라운드 Bold" panose="020B0600000101010101" pitchFamily="50" charset="-127"/>
+              </a:rPr>
+              <a:t>비회원 회원 모두 쿠키에 구매옵션과 수량을 관리</a:t>
+            </a:r>
             <a:endParaRPr lang="en-US" altLang="ko-KR" dirty="0" smtClean="0">
               <a:latin typeface="나눔스퀘어라운드 Bold" panose="020B0600000101010101" pitchFamily="50" charset="-127"/>
               <a:ea typeface="나눔스퀘어라운드 Bold" panose="020B0600000101010101" pitchFamily="50" charset="-127"/>
@@ -5857,210 +5890,22 @@
                 <a:latin typeface="나눔스퀘어라운드 Bold" panose="020B0600000101010101" pitchFamily="50" charset="-127"/>
                 <a:ea typeface="나눔스퀘어라운드 Bold" panose="020B0600000101010101" pitchFamily="50" charset="-127"/>
               </a:rPr>
-              <a:t>    처음에는 </a:t>
-            </a:r>
-            <a:r>
-              <a:rPr lang="ko-KR" altLang="en-US" sz="2000" dirty="0">
-                <a:latin typeface="나눔스퀘어라운드 Bold" panose="020B0600000101010101" pitchFamily="50" charset="-127"/>
-                <a:ea typeface="나눔스퀘어라운드 Bold" panose="020B0600000101010101" pitchFamily="50" charset="-127"/>
-              </a:rPr>
-              <a:t>회원 테이블과 비슷하게 비회원 테이블을 만들어 </a:t>
+              <a:t>    </a:t>
+            </a:r>
+            <a:r>
+              <a:rPr lang="en-US" altLang="ko-KR" sz="2000" dirty="0" smtClean="0">
+                <a:latin typeface="나눔스퀘어라운드 Bold" panose="020B0600000101010101" pitchFamily="50" charset="-127"/>
+                <a:ea typeface="나눔스퀘어라운드 Bold" panose="020B0600000101010101" pitchFamily="50" charset="-127"/>
+              </a:rPr>
+              <a:t>2) </a:t>
             </a:r>
             <a:r>
               <a:rPr lang="ko-KR" altLang="en-US" sz="2000" dirty="0" smtClean="0">
                 <a:latin typeface="나눔스퀘어라운드 Bold" panose="020B0600000101010101" pitchFamily="50" charset="-127"/>
                 <a:ea typeface="나눔스퀘어라운드 Bold" panose="020B0600000101010101" pitchFamily="50" charset="-127"/>
               </a:rPr>
-              <a:t>관리하고</a:t>
-            </a:r>
-            <a:endParaRPr lang="en-US" altLang="ko-KR" sz="2000" dirty="0">
-              <a:latin typeface="나눔스퀘어라운드 Bold" panose="020B0600000101010101" pitchFamily="50" charset="-127"/>
-              <a:ea typeface="나눔스퀘어라운드 Bold" panose="020B0600000101010101" pitchFamily="50" charset="-127"/>
-            </a:endParaRPr>
-          </a:p>
-          <a:p>
-            <a:pPr marL="201168" lvl="1" indent="0">
-              <a:lnSpc>
-                <a:spcPct val="100000"/>
-              </a:lnSpc>
-              <a:buNone/>
-            </a:pPr>
-            <a:r>
-              <a:rPr lang="ko-KR" altLang="en-US" sz="2000" dirty="0" smtClean="0">
-                <a:latin typeface="나눔스퀘어라운드 Bold" panose="020B0600000101010101" pitchFamily="50" charset="-127"/>
-                <a:ea typeface="나눔스퀘어라운드 Bold" panose="020B0600000101010101" pitchFamily="50" charset="-127"/>
-              </a:rPr>
-              <a:t>    비회원으로 </a:t>
-            </a:r>
-            <a:r>
-              <a:rPr lang="ko-KR" altLang="en-US" sz="2000" dirty="0">
-                <a:latin typeface="나눔스퀘어라운드 Bold" panose="020B0600000101010101" pitchFamily="50" charset="-127"/>
-                <a:ea typeface="나눔스퀘어라운드 Bold" panose="020B0600000101010101" pitchFamily="50" charset="-127"/>
-              </a:rPr>
-              <a:t>로그인하면 비회원 장바구니를 볼 수 있는 것을 </a:t>
-            </a:r>
-            <a:r>
-              <a:rPr lang="ko-KR" altLang="en-US" sz="2000" dirty="0" smtClean="0">
-                <a:latin typeface="나눔스퀘어라운드 Bold" panose="020B0600000101010101" pitchFamily="50" charset="-127"/>
-                <a:ea typeface="나눔스퀘어라운드 Bold" panose="020B0600000101010101" pitchFamily="50" charset="-127"/>
-              </a:rPr>
-              <a:t>생각했지만</a:t>
-            </a:r>
-            <a:endParaRPr lang="en-US" altLang="ko-KR" sz="2000" dirty="0" smtClean="0">
-              <a:latin typeface="나눔스퀘어라운드 Bold" panose="020B0600000101010101" pitchFamily="50" charset="-127"/>
-              <a:ea typeface="나눔스퀘어라운드 Bold" panose="020B0600000101010101" pitchFamily="50" charset="-127"/>
-            </a:endParaRPr>
-          </a:p>
-          <a:p>
-            <a:pPr marL="201168" lvl="1" indent="0">
-              <a:lnSpc>
-                <a:spcPct val="100000"/>
-              </a:lnSpc>
-              <a:buNone/>
-            </a:pPr>
-            <a:endParaRPr lang="en-US" altLang="ko-KR" sz="2000" dirty="0" smtClean="0">
-              <a:latin typeface="나눔스퀘어라운드 Bold" panose="020B0600000101010101" pitchFamily="50" charset="-127"/>
-              <a:ea typeface="나눔스퀘어라운드 Bold" panose="020B0600000101010101" pitchFamily="50" charset="-127"/>
-            </a:endParaRPr>
-          </a:p>
-          <a:p>
-            <a:pPr marL="384048" lvl="2" indent="0">
-              <a:lnSpc>
-                <a:spcPct val="100000"/>
-              </a:lnSpc>
-              <a:buNone/>
-            </a:pPr>
-            <a:r>
-              <a:rPr lang="en-US" altLang="ko-KR" sz="2000" dirty="0" smtClean="0">
-                <a:latin typeface="나눔스퀘어라운드 Bold" panose="020B0600000101010101" pitchFamily="50" charset="-127"/>
-                <a:ea typeface="나눔스퀘어라운드 Bold" panose="020B0600000101010101" pitchFamily="50" charset="-127"/>
-              </a:rPr>
-              <a:t>         "</a:t>
-            </a:r>
-            <a:r>
-              <a:rPr lang="ko-KR" altLang="en-US" sz="2000" dirty="0" smtClean="0">
-                <a:latin typeface="나눔스퀘어라운드 Bold" panose="020B0600000101010101" pitchFamily="50" charset="-127"/>
-                <a:ea typeface="나눔스퀘어라운드 Bold" panose="020B0600000101010101" pitchFamily="50" charset="-127"/>
-              </a:rPr>
-              <a:t>이럴 거면 </a:t>
-            </a:r>
-            <a:r>
-              <a:rPr lang="ko-KR" altLang="en-US" sz="2000" dirty="0">
-                <a:latin typeface="나눔스퀘어라운드 Bold" panose="020B0600000101010101" pitchFamily="50" charset="-127"/>
-                <a:ea typeface="나눔스퀘어라운드 Bold" panose="020B0600000101010101" pitchFamily="50" charset="-127"/>
-              </a:rPr>
-              <a:t>그냥 회원가입을 해서 사용하는 것과 무슨 차이인가</a:t>
-            </a:r>
-            <a:r>
-              <a:rPr lang="en-US" altLang="ko-KR" sz="2000" dirty="0">
-                <a:latin typeface="나눔스퀘어라운드 Bold" panose="020B0600000101010101" pitchFamily="50" charset="-127"/>
-                <a:ea typeface="나눔스퀘어라운드 Bold" panose="020B0600000101010101" pitchFamily="50" charset="-127"/>
-              </a:rPr>
-              <a:t>?"</a:t>
-            </a:r>
-            <a:r>
-              <a:rPr lang="ko-KR" altLang="en-US" sz="2000" dirty="0">
-                <a:latin typeface="나눔스퀘어라운드 Bold" panose="020B0600000101010101" pitchFamily="50" charset="-127"/>
-                <a:ea typeface="나눔스퀘어라운드 Bold" panose="020B0600000101010101" pitchFamily="50" charset="-127"/>
-              </a:rPr>
-              <a:t> 라는 생각이 </a:t>
-            </a:r>
-            <a:r>
-              <a:rPr lang="ko-KR" altLang="en-US" sz="2000" dirty="0" smtClean="0">
-                <a:latin typeface="나눔스퀘어라운드 Bold" panose="020B0600000101010101" pitchFamily="50" charset="-127"/>
-                <a:ea typeface="나눔스퀘어라운드 Bold" panose="020B0600000101010101" pitchFamily="50" charset="-127"/>
-              </a:rPr>
-              <a:t>들어서</a:t>
-            </a:r>
-            <a:endParaRPr lang="en-US" altLang="ko-KR" sz="2000" dirty="0" smtClean="0">
-              <a:latin typeface="나눔스퀘어라운드 Bold" panose="020B0600000101010101" pitchFamily="50" charset="-127"/>
-              <a:ea typeface="나눔스퀘어라운드 Bold" panose="020B0600000101010101" pitchFamily="50" charset="-127"/>
-            </a:endParaRPr>
-          </a:p>
-          <a:p>
-            <a:pPr marL="384048" lvl="2" indent="0">
-              <a:lnSpc>
-                <a:spcPct val="100000"/>
-              </a:lnSpc>
-              <a:buNone/>
-            </a:pPr>
-            <a:r>
-              <a:rPr lang="en-US" altLang="ko-KR" sz="2000" dirty="0" smtClean="0">
-                <a:latin typeface="나눔스퀘어라운드 Bold" panose="020B0600000101010101" pitchFamily="50" charset="-127"/>
-                <a:ea typeface="나눔스퀘어라운드 Bold" panose="020B0600000101010101" pitchFamily="50" charset="-127"/>
-              </a:rPr>
-              <a:t>         "</a:t>
-            </a:r>
-            <a:r>
-              <a:rPr lang="ko-KR" altLang="en-US" sz="2000" dirty="0">
-                <a:latin typeface="나눔스퀘어라운드 Bold" panose="020B0600000101010101" pitchFamily="50" charset="-127"/>
-                <a:ea typeface="나눔스퀘어라운드 Bold" panose="020B0600000101010101" pitchFamily="50" charset="-127"/>
-              </a:rPr>
-              <a:t>비회원식별</a:t>
-            </a:r>
-            <a:r>
-              <a:rPr lang="en-US" altLang="ko-KR" sz="2000" dirty="0">
-                <a:latin typeface="나눔스퀘어라운드 Bold" panose="020B0600000101010101" pitchFamily="50" charset="-127"/>
-                <a:ea typeface="나눔스퀘어라운드 Bold" panose="020B0600000101010101" pitchFamily="50" charset="-127"/>
-              </a:rPr>
-              <a:t>" </a:t>
-            </a:r>
-            <a:r>
-              <a:rPr lang="ko-KR" altLang="en-US" sz="2000" dirty="0" err="1">
-                <a:latin typeface="나눔스퀘어라운드 Bold" panose="020B0600000101010101" pitchFamily="50" charset="-127"/>
-                <a:ea typeface="나눔스퀘어라운드 Bold" panose="020B0600000101010101" pitchFamily="50" charset="-127"/>
-              </a:rPr>
-              <a:t>컬럼을</a:t>
-            </a:r>
-            <a:r>
-              <a:rPr lang="ko-KR" altLang="en-US" sz="2000" dirty="0">
-                <a:latin typeface="나눔스퀘어라운드 Bold" panose="020B0600000101010101" pitchFamily="50" charset="-127"/>
-                <a:ea typeface="나눔스퀘어라운드 Bold" panose="020B0600000101010101" pitchFamily="50" charset="-127"/>
-              </a:rPr>
-              <a:t> 만들고 </a:t>
-            </a:r>
-            <a:r>
-              <a:rPr lang="en-US" altLang="ko-KR" sz="2000" dirty="0" smtClean="0">
-                <a:latin typeface="나눔스퀘어라운드 Bold" panose="020B0600000101010101" pitchFamily="50" charset="-127"/>
-                <a:ea typeface="나눔스퀘어라운드 Bold" panose="020B0600000101010101" pitchFamily="50" charset="-127"/>
-              </a:rPr>
-              <a:t>30</a:t>
-            </a:r>
-            <a:r>
-              <a:rPr lang="ko-KR" altLang="en-US" sz="2000" dirty="0" smtClean="0">
-                <a:latin typeface="나눔스퀘어라운드 Bold" panose="020B0600000101010101" pitchFamily="50" charset="-127"/>
-                <a:ea typeface="나눔스퀘어라운드 Bold" panose="020B0600000101010101" pitchFamily="50" charset="-127"/>
-              </a:rPr>
-              <a:t>일 동안 </a:t>
-            </a:r>
-            <a:r>
-              <a:rPr lang="ko-KR" altLang="en-US" sz="2000" dirty="0">
-                <a:latin typeface="나눔스퀘어라운드 Bold" panose="020B0600000101010101" pitchFamily="50" charset="-127"/>
-                <a:ea typeface="나눔스퀘어라운드 Bold" panose="020B0600000101010101" pitchFamily="50" charset="-127"/>
-              </a:rPr>
-              <a:t>조회를 </a:t>
-            </a:r>
-            <a:r>
-              <a:rPr lang="ko-KR" altLang="en-US" sz="2000" dirty="0" smtClean="0">
-                <a:latin typeface="나눔스퀘어라운드 Bold" panose="020B0600000101010101" pitchFamily="50" charset="-127"/>
-                <a:ea typeface="나눔스퀘어라운드 Bold" panose="020B0600000101010101" pitchFamily="50" charset="-127"/>
-              </a:rPr>
-              <a:t>안 하면 </a:t>
-            </a:r>
-            <a:r>
-              <a:rPr lang="ko-KR" altLang="en-US" sz="2000" dirty="0">
-                <a:latin typeface="나눔스퀘어라운드 Bold" panose="020B0600000101010101" pitchFamily="50" charset="-127"/>
-                <a:ea typeface="나눔스퀘어라운드 Bold" panose="020B0600000101010101" pitchFamily="50" charset="-127"/>
-              </a:rPr>
-              <a:t>삭제되도록 만들었음</a:t>
-            </a:r>
-          </a:p>
-          <a:p>
-            <a:pPr>
-              <a:lnSpc>
-                <a:spcPct val="150000"/>
-              </a:lnSpc>
-            </a:pPr>
+              <a:t>장바구니 테이블을 만들어서 관리</a:t>
+            </a:r>
             <a:endParaRPr lang="ko-KR" altLang="en-US" dirty="0">
               <a:latin typeface="나눔스퀘어라운드 Bold" panose="020B0600000101010101" pitchFamily="50" charset="-127"/>
               <a:ea typeface="나눔스퀘어라운드 Bold" panose="020B0600000101010101" pitchFamily="50" charset="-127"/>
@@ -6188,29 +6033,40 @@
                 <a:latin typeface="나눔스퀘어라운드 Bold" panose="020B0600000101010101" pitchFamily="50" charset="-127"/>
                 <a:ea typeface="나눔스퀘어라운드 Bold" panose="020B0600000101010101" pitchFamily="50" charset="-127"/>
               </a:rPr>
-              <a:t>때 회원</a:t>
-            </a:r>
-            <a:r>
-              <a:rPr lang="en-US" altLang="ko-KR" dirty="0">
-                <a:latin typeface="나눔스퀘어라운드 Bold" panose="020B0600000101010101" pitchFamily="50" charset="-127"/>
-                <a:ea typeface="나눔스퀘어라운드 Bold" panose="020B0600000101010101" pitchFamily="50" charset="-127"/>
-              </a:rPr>
-              <a:t>ID </a:t>
-            </a:r>
-            <a:r>
-              <a:rPr lang="ko-KR" altLang="en-US" dirty="0" err="1">
-                <a:latin typeface="나눔스퀘어라운드 Bold" panose="020B0600000101010101" pitchFamily="50" charset="-127"/>
-                <a:ea typeface="나눔스퀘어라운드 Bold" panose="020B0600000101010101" pitchFamily="50" charset="-127"/>
-              </a:rPr>
-              <a:t>컬럼을</a:t>
-            </a:r>
-            <a:r>
-              <a:rPr lang="ko-KR" altLang="en-US" dirty="0">
-                <a:latin typeface="나눔스퀘어라운드 Bold" panose="020B0600000101010101" pitchFamily="50" charset="-127"/>
-                <a:ea typeface="나눔스퀘어라운드 Bold" panose="020B0600000101010101" pitchFamily="50" charset="-127"/>
-              </a:rPr>
-              <a:t> 사용하여 식별</a:t>
-            </a:r>
+              <a:t>때 </a:t>
+            </a:r>
+            <a:r>
+              <a:rPr lang="en-US" altLang="ko-KR" dirty="0" smtClean="0">
+                <a:latin typeface="나눔스퀘어라운드 Bold" panose="020B0600000101010101" pitchFamily="50" charset="-127"/>
+                <a:ea typeface="나눔스퀘어라운드 Bold" panose="020B0600000101010101" pitchFamily="50" charset="-127"/>
+              </a:rPr>
+              <a:t>ID</a:t>
+            </a:r>
+            <a:r>
+              <a:rPr lang="ko-KR" altLang="en-US" dirty="0" smtClean="0">
+                <a:latin typeface="나눔스퀘어라운드 Bold" panose="020B0600000101010101" pitchFamily="50" charset="-127"/>
+                <a:ea typeface="나눔스퀘어라운드 Bold" panose="020B0600000101010101" pitchFamily="50" charset="-127"/>
+              </a:rPr>
+              <a:t>를 </a:t>
+            </a:r>
+            <a:r>
+              <a:rPr lang="ko-KR" altLang="en-US" dirty="0" err="1" smtClean="0">
+                <a:latin typeface="나눔스퀘어라운드 Bold" panose="020B0600000101010101" pitchFamily="50" charset="-127"/>
+                <a:ea typeface="나눔스퀘어라운드 Bold" panose="020B0600000101010101" pitchFamily="50" charset="-127"/>
+              </a:rPr>
+              <a:t>외부키로</a:t>
+            </a:r>
+            <a:r>
+              <a:rPr lang="ko-KR" altLang="en-US" dirty="0" smtClean="0">
+                <a:latin typeface="나눔스퀘어라운드 Bold" panose="020B0600000101010101" pitchFamily="50" charset="-127"/>
+                <a:ea typeface="나눔스퀘어라운드 Bold" panose="020B0600000101010101" pitchFamily="50" charset="-127"/>
+              </a:rPr>
+              <a:t> 가져서 식별</a:t>
+            </a:r>
+            <a:endParaRPr lang="en-US" altLang="ko-KR" dirty="0" smtClean="0">
+              <a:latin typeface="나눔스퀘어라운드 Bold" panose="020B0600000101010101" pitchFamily="50" charset="-127"/>
+              <a:ea typeface="나눔스퀘어라운드 Bold" panose="020B0600000101010101" pitchFamily="50" charset="-127"/>
+            </a:endParaRPr>
           </a:p>
           <a:p>
             <a:pPr marL="457200" indent="-457200">
@@ -6221,95 +6077,88 @@
               <a:buAutoNum type="arabicParenR"/>
             </a:pPr>
             <a:r>
+              <a:rPr lang="ko-KR" altLang="en-US" dirty="0" smtClean="0">
+                <a:latin typeface="나눔스퀘어라운드 Bold" panose="020B0600000101010101" pitchFamily="50" charset="-127"/>
+                <a:ea typeface="나눔스퀘어라운드 Bold" panose="020B0600000101010101" pitchFamily="50" charset="-127"/>
+              </a:rPr>
+              <a:t>클라이언트</a:t>
+            </a:r>
+            <a:r>
+              <a:rPr lang="ko-KR" altLang="en-US" dirty="0" smtClean="0">
+                <a:latin typeface="나눔스퀘어라운드 Bold" panose="020B0600000101010101" pitchFamily="50" charset="-127"/>
+                <a:ea typeface="나눔스퀘어라운드 Bold" panose="020B0600000101010101" pitchFamily="50" charset="-127"/>
+              </a:rPr>
+              <a:t>는 </a:t>
+            </a:r>
+            <a:r>
+              <a:rPr lang="ko-KR" altLang="en-US" dirty="0" smtClean="0">
+                <a:latin typeface="나눔스퀘어라운드 Bold" panose="020B0600000101010101" pitchFamily="50" charset="-127"/>
+                <a:ea typeface="나눔스퀘어라운드 Bold" panose="020B0600000101010101" pitchFamily="50" charset="-127"/>
+              </a:rPr>
+              <a:t>모든 사용자에게</a:t>
+            </a:r>
+            <a:r>
+              <a:rPr lang="ko-KR" altLang="en-US" dirty="0" smtClean="0">
+                <a:latin typeface="나눔스퀘어라운드 Bold" panose="020B0600000101010101" pitchFamily="50" charset="-127"/>
+                <a:ea typeface="나눔스퀘어라운드 Bold" panose="020B0600000101010101" pitchFamily="50" charset="-127"/>
+              </a:rPr>
+              <a:t> 겹치지 않는 값</a:t>
+            </a:r>
+            <a:r>
+              <a:rPr lang="en-US" altLang="ko-KR" dirty="0" smtClean="0">
+                <a:latin typeface="나눔스퀘어라운드 Bold" panose="020B0600000101010101" pitchFamily="50" charset="-127"/>
+                <a:ea typeface="나눔스퀘어라운드 Bold" panose="020B0600000101010101" pitchFamily="50" charset="-127"/>
+              </a:rPr>
+              <a:t>(</a:t>
+            </a:r>
+            <a:r>
+              <a:rPr lang="ko-KR" altLang="en-US" dirty="0">
+                <a:latin typeface="나눔스퀘어라운드 Bold" panose="020B0600000101010101" pitchFamily="50" charset="-127"/>
+                <a:ea typeface="나눔스퀘어라운드 Bold" panose="020B0600000101010101" pitchFamily="50" charset="-127"/>
+              </a:rPr>
+              <a:t>세션</a:t>
+            </a:r>
+            <a:r>
               <a:rPr lang="en-US" altLang="ko-KR" dirty="0">
                 <a:latin typeface="나눔스퀘어라운드 Bold" panose="020B0600000101010101" pitchFamily="50" charset="-127"/>
                 <a:ea typeface="나눔스퀘어라운드 Bold" panose="020B0600000101010101" pitchFamily="50" charset="-127"/>
               </a:rPr>
-              <a:t>API</a:t>
+              <a:t>, </a:t>
             </a:r>
             <a:r>
               <a:rPr lang="ko-KR" altLang="en-US" dirty="0">
                 <a:latin typeface="나눔스퀘어라운드 Bold" panose="020B0600000101010101" pitchFamily="50" charset="-127"/>
                 <a:ea typeface="나눔스퀘어라운드 Bold" panose="020B0600000101010101" pitchFamily="50" charset="-127"/>
               </a:rPr>
-              <a:t>를 사용하는 </a:t>
-            </a:r>
-            <a:r>
-              <a:rPr lang="en-US" altLang="ko-KR" dirty="0">
-                <a:latin typeface="나눔스퀘어라운드 Bold" panose="020B0600000101010101" pitchFamily="50" charset="-127"/>
-                <a:ea typeface="나눔스퀘어라운드 Bold" panose="020B0600000101010101" pitchFamily="50" charset="-127"/>
-              </a:rPr>
-              <a:t>Front-end</a:t>
+              <a:t>또는 </a:t>
+            </a:r>
+            <a:r>
+              <a:rPr lang="ko-KR" altLang="en-US" dirty="0" err="1">
+                <a:latin typeface="나눔스퀘어라운드 Bold" panose="020B0600000101010101" pitchFamily="50" charset="-127"/>
+                <a:ea typeface="나눔스퀘어라운드 Bold" panose="020B0600000101010101" pitchFamily="50" charset="-127"/>
+              </a:rPr>
+              <a:t>난수</a:t>
+            </a:r>
+            <a:r>
+              <a:rPr lang="en-US" altLang="ko-KR" dirty="0" smtClean="0">
+                <a:latin typeface="나눔스퀘어라운드 Bold" panose="020B0600000101010101" pitchFamily="50" charset="-127"/>
+                <a:ea typeface="나눔스퀘어라운드 Bold" panose="020B0600000101010101" pitchFamily="50" charset="-127"/>
+              </a:rPr>
+              <a:t>)</a:t>
+            </a:r>
+            <a:r>
+              <a:rPr lang="ko-KR" altLang="en-US" dirty="0" smtClean="0">
+                <a:latin typeface="나눔스퀘어라운드 Bold" panose="020B0600000101010101" pitchFamily="50" charset="-127"/>
+                <a:ea typeface="나눔스퀘어라운드 Bold" panose="020B0600000101010101" pitchFamily="50" charset="-127"/>
+              </a:rPr>
+              <a:t>을 만들어 </a:t>
             </a:r>
             <a:r>
               <a:rPr lang="ko-KR" altLang="en-US" dirty="0">
                 <a:latin typeface="나눔스퀘어라운드 Bold" panose="020B0600000101010101" pitchFamily="50" charset="-127"/>
                 <a:ea typeface="나눔스퀘어라운드 Bold" panose="020B0600000101010101" pitchFamily="50" charset="-127"/>
               </a:rPr>
-              <a:t>는 비회원이 최초 접속했을 때 자동 생성한 </a:t>
-            </a:r>
-            <a:r>
-              <a:rPr lang="en-US" altLang="ko-KR" dirty="0">
-                <a:latin typeface="나눔스퀘어라운드 Bold" panose="020B0600000101010101" pitchFamily="50" charset="-127"/>
-                <a:ea typeface="나눔스퀘어라운드 Bold" panose="020B0600000101010101" pitchFamily="50" charset="-127"/>
-              </a:rPr>
-              <a:t>"</a:t>
-            </a:r>
-            <a:r>
-              <a:rPr lang="ko-KR" altLang="en-US" dirty="0">
-                <a:latin typeface="나눔스퀘어라운드 Bold" panose="020B0600000101010101" pitchFamily="50" charset="-127"/>
-                <a:ea typeface="나눔스퀘어라운드 Bold" panose="020B0600000101010101" pitchFamily="50" charset="-127"/>
-              </a:rPr>
-              <a:t>비회원식별코드</a:t>
-            </a:r>
-            <a:r>
-              <a:rPr lang="en-US" altLang="ko-KR" dirty="0">
-                <a:latin typeface="나눔스퀘어라운드 Bold" panose="020B0600000101010101" pitchFamily="50" charset="-127"/>
-                <a:ea typeface="나눔스퀘어라운드 Bold" panose="020B0600000101010101" pitchFamily="50" charset="-127"/>
-              </a:rPr>
-              <a:t>"(</a:t>
-            </a:r>
-            <a:r>
-              <a:rPr lang="ko-KR" altLang="en-US" dirty="0">
-                <a:latin typeface="나눔스퀘어라운드 Bold" panose="020B0600000101010101" pitchFamily="50" charset="-127"/>
-                <a:ea typeface="나눔스퀘어라운드 Bold" panose="020B0600000101010101" pitchFamily="50" charset="-127"/>
-              </a:rPr>
-              <a:t>세션</a:t>
-            </a:r>
-            <a:r>
-              <a:rPr lang="en-US" altLang="ko-KR" dirty="0">
-                <a:latin typeface="나눔스퀘어라운드 Bold" panose="020B0600000101010101" pitchFamily="50" charset="-127"/>
-                <a:ea typeface="나눔스퀘어라운드 Bold" panose="020B0600000101010101" pitchFamily="50" charset="-127"/>
-              </a:rPr>
-              <a:t>, </a:t>
-            </a:r>
-            <a:r>
-              <a:rPr lang="ko-KR" altLang="en-US" dirty="0">
-                <a:latin typeface="나눔스퀘어라운드 Bold" panose="020B0600000101010101" pitchFamily="50" charset="-127"/>
-                <a:ea typeface="나눔스퀘어라운드 Bold" panose="020B0600000101010101" pitchFamily="50" charset="-127"/>
-              </a:rPr>
-              <a:t>또는 </a:t>
-            </a:r>
-            <a:r>
-              <a:rPr lang="ko-KR" altLang="en-US" dirty="0" err="1">
-                <a:latin typeface="나눔스퀘어라운드 Bold" panose="020B0600000101010101" pitchFamily="50" charset="-127"/>
-                <a:ea typeface="나눔스퀘어라운드 Bold" panose="020B0600000101010101" pitchFamily="50" charset="-127"/>
-              </a:rPr>
-              <a:t>난수</a:t>
-            </a:r>
-            <a:r>
-              <a:rPr lang="en-US" altLang="ko-KR" dirty="0">
-                <a:latin typeface="나눔스퀘어라운드 Bold" panose="020B0600000101010101" pitchFamily="50" charset="-127"/>
-                <a:ea typeface="나눔스퀘어라운드 Bold" panose="020B0600000101010101" pitchFamily="50" charset="-127"/>
-              </a:rPr>
-              <a:t>)</a:t>
-            </a:r>
-            <a:r>
-              <a:rPr lang="ko-KR" altLang="en-US" dirty="0">
-                <a:latin typeface="나눔스퀘어라운드 Bold" panose="020B0600000101010101" pitchFamily="50" charset="-127"/>
-                <a:ea typeface="나눔스퀘어라운드 Bold" panose="020B0600000101010101" pitchFamily="50" charset="-127"/>
-              </a:rPr>
-              <a:t>를 쿠키에 저장하도록 설계</a:t>
+              <a:t>쿠키에 저장하도록 설계</a:t>
             </a:r>
           </a:p>
           <a:p>
@@ -6328,32 +6177,18 @@
               <a:t>비회원일 경우 쿠키에 저장된 </a:t>
             </a:r>
             <a:r>
-              <a:rPr lang="en-US" altLang="ko-KR" dirty="0">
-                <a:latin typeface="나눔스퀘어라운드 Bold" panose="020B0600000101010101" pitchFamily="50" charset="-127"/>
-                <a:ea typeface="나눔스퀘어라운드 Bold" panose="020B0600000101010101" pitchFamily="50" charset="-127"/>
-              </a:rPr>
-              <a:t>"</a:t>
+              <a:rPr lang="ko-KR" altLang="en-US" dirty="0" smtClean="0">
+                <a:latin typeface="나눔스퀘어라운드 Bold" panose="020B0600000101010101" pitchFamily="50" charset="-127"/>
+                <a:ea typeface="나눔스퀘어라운드 Bold" panose="020B0600000101010101" pitchFamily="50" charset="-127"/>
+              </a:rPr>
+              <a:t>값과 </a:t>
             </a:r>
             <a:r>
               <a:rPr lang="ko-KR" altLang="en-US" dirty="0">
                 <a:latin typeface="나눔스퀘어라운드 Bold" panose="020B0600000101010101" pitchFamily="50" charset="-127"/>
                 <a:ea typeface="나눔스퀘어라운드 Bold" panose="020B0600000101010101" pitchFamily="50" charset="-127"/>
               </a:rPr>
-              <a:t>비회원식별코드</a:t>
-            </a:r>
-            <a:r>
-              <a:rPr lang="en-US" altLang="ko-KR" dirty="0">
-                <a:latin typeface="나눔스퀘어라운드 Bold" panose="020B0600000101010101" pitchFamily="50" charset="-127"/>
-                <a:ea typeface="나눔스퀘어라운드 Bold" panose="020B0600000101010101" pitchFamily="50" charset="-127"/>
-              </a:rPr>
-              <a:t>"</a:t>
-            </a:r>
-            <a:r>
-              <a:rPr lang="ko-KR" altLang="en-US" dirty="0">
-                <a:latin typeface="나눔스퀘어라운드 Bold" panose="020B0600000101010101" pitchFamily="50" charset="-127"/>
-                <a:ea typeface="나눔스퀘어라운드 Bold" panose="020B0600000101010101" pitchFamily="50" charset="-127"/>
-              </a:rPr>
-              <a:t>와 함께 장바구니 </a:t>
+              <a:t>함께 장바구니 </a:t>
             </a:r>
             <a:r>
               <a:rPr lang="en-US" altLang="ko-KR" dirty="0">
@@ -6906,8 +6741,8 @@
         </p:nvSpPr>
         <p:spPr>
           <a:xfrm>
-            <a:off x="6736080" y="2533311"/>
-            <a:ext cx="4998720" cy="1200329"/>
+            <a:off x="7193280" y="2506302"/>
+            <a:ext cx="4998720" cy="1477328"/>
           </a:xfrm>
           <a:prstGeom prst="rect">
             <a:avLst/>
@@ -6922,12 +6757,50 @@
           <a:p>
             <a:r>
               <a:rPr lang="ko-KR" altLang="en-US" dirty="0" smtClean="0">
-                <a:latin typeface="나눔스퀘어라운드 Bold" panose="020B0600000101010101" pitchFamily="50" charset="-127"/>
-                <a:ea typeface="나눔스퀘어라운드 Bold" panose="020B0600000101010101" pitchFamily="50" charset="-127"/>
-              </a:rPr>
-              <a:t>시간 초과된 주문과</a:t>
+                <a:solidFill>
+                  <a:schemeClr val="tx1">
+                    <a:lumMod val="75000"/>
+                    <a:lumOff val="25000"/>
+                  </a:schemeClr>
+                </a:solidFill>
+                <a:latin typeface="나눔스퀘어라운드 Bold" panose="020B0600000101010101" pitchFamily="50" charset="-127"/>
+                <a:ea typeface="나눔스퀘어라운드 Bold" panose="020B0600000101010101" pitchFamily="50" charset="-127"/>
+              </a:rPr>
+              <a:t>시간 초과된 </a:t>
+            </a:r>
+            <a:r>
+              <a:rPr lang="ko-KR" altLang="en-US" dirty="0" smtClean="0">
+                <a:solidFill>
+                  <a:schemeClr val="tx1">
+                    <a:lumMod val="75000"/>
+                    <a:lumOff val="25000"/>
+                  </a:schemeClr>
+                </a:solidFill>
+                <a:latin typeface="나눔스퀘어라운드 Bold" panose="020B0600000101010101" pitchFamily="50" charset="-127"/>
+                <a:ea typeface="나눔스퀘어라운드 Bold" panose="020B0600000101010101" pitchFamily="50" charset="-127"/>
+              </a:rPr>
+              <a:t>주문</a:t>
+            </a:r>
+            <a:r>
+              <a:rPr lang="ko-KR" altLang="en-US" dirty="0" smtClean="0">
+                <a:solidFill>
+                  <a:schemeClr val="tx1">
+                    <a:lumMod val="75000"/>
+                    <a:lumOff val="25000"/>
+                  </a:schemeClr>
+                </a:solidFill>
+                <a:latin typeface="나눔스퀘어라운드 Bold" panose="020B0600000101010101" pitchFamily="50" charset="-127"/>
+                <a:ea typeface="나눔스퀘어라운드 Bold" panose="020B0600000101010101" pitchFamily="50" charset="-127"/>
+              </a:rPr>
+              <a:t>을 찾는 쿼리</a:t>
             </a:r>
             <a:endParaRPr lang="en-US" altLang="ko-KR" dirty="0" smtClean="0">
+              <a:solidFill>
+                <a:schemeClr val="tx1">
+                  <a:lumMod val="75000"/>
+                  <a:lumOff val="25000"/>
+                </a:schemeClr>
+              </a:solidFill>
               <a:latin typeface="나눔스퀘어라운드 Bold" panose="020B0600000101010101" pitchFamily="50" charset="-127"/>
               <a:ea typeface="나눔스퀘어라운드 Bold" panose="020B0600000101010101" pitchFamily="50" charset="-127"/>
             </a:endParaRPr>
@@ -6935,6 +6808,12 @@
           <a:p>
             <a:r>
               <a:rPr lang="en-US" altLang="ko-KR" dirty="0" smtClean="0">
+                <a:solidFill>
+                  <a:schemeClr val="tx1">
+                    <a:lumMod val="75000"/>
+                    <a:lumOff val="25000"/>
+                  </a:schemeClr>
+                </a:solidFill>
                 <a:latin typeface="나눔스퀘어라운드 Bold" panose="020B0600000101010101" pitchFamily="50" charset="-127"/>
                 <a:ea typeface="나눔스퀘어라운드 Bold" panose="020B0600000101010101" pitchFamily="50" charset="-127"/>
               </a:rPr>
@@ -6942,53 +6821,49 @@
             </a:r>
             <a:r>
               <a:rPr lang="ko-KR" altLang="en-US" dirty="0" smtClean="0">
-                <a:latin typeface="나눔스퀘어라운드 Bold" panose="020B0600000101010101" pitchFamily="50" charset="-127"/>
-                <a:ea typeface="나눔스퀘어라운드 Bold" panose="020B0600000101010101" pitchFamily="50" charset="-127"/>
-              </a:rPr>
-              <a:t>일이 지난 비회원 장바구니를</a:t>
+                <a:solidFill>
+                  <a:schemeClr val="tx1">
+                    <a:lumMod val="75000"/>
+                    <a:lumOff val="25000"/>
+                  </a:schemeClr>
+                </a:solidFill>
+                <a:latin typeface="나눔스퀘어라운드 Bold" panose="020B0600000101010101" pitchFamily="50" charset="-127"/>
+                <a:ea typeface="나눔스퀘어라운드 Bold" panose="020B0600000101010101" pitchFamily="50" charset="-127"/>
+              </a:rPr>
+              <a:t>일이 지난 비회원 </a:t>
+            </a:r>
+            <a:r>
+              <a:rPr lang="ko-KR" altLang="en-US" dirty="0" smtClean="0">
+                <a:solidFill>
+                  <a:schemeClr val="tx1">
+                    <a:lumMod val="75000"/>
+                    <a:lumOff val="25000"/>
+                  </a:schemeClr>
+                </a:solidFill>
+                <a:latin typeface="나눔스퀘어라운드 Bold" panose="020B0600000101010101" pitchFamily="50" charset="-127"/>
+                <a:ea typeface="나눔스퀘어라운드 Bold" panose="020B0600000101010101" pitchFamily="50" charset="-127"/>
+              </a:rPr>
+              <a:t>장바구니를 찾는 쿼리</a:t>
             </a:r>
             <a:endParaRPr lang="en-US" altLang="ko-KR" dirty="0" smtClean="0">
+              <a:solidFill>
+                <a:schemeClr val="tx1">
+                  <a:lumMod val="75000"/>
+                  <a:lumOff val="25000"/>
+                </a:schemeClr>
+              </a:solidFill>
               <a:latin typeface="나눔스퀘어라운드 Bold" panose="020B0600000101010101" pitchFamily="50" charset="-127"/>
               <a:ea typeface="나눔스퀘어라운드 Bold" panose="020B0600000101010101" pitchFamily="50" charset="-127"/>
             </a:endParaRPr>
           </a:p>
           <a:p>
-            <a:r>
-              <a:rPr lang="en-US" altLang="ko-KR" dirty="0">
-                <a:latin typeface="나눔스퀘어라운드 Bold" panose="020B0600000101010101" pitchFamily="50" charset="-127"/>
-                <a:ea typeface="나눔스퀘어라운드 Bold" panose="020B0600000101010101" pitchFamily="50" charset="-127"/>
-              </a:rPr>
-              <a:t> </a:t>
-            </a:r>
-            <a:r>
-              <a:rPr lang="en-US" altLang="ko-KR" dirty="0" smtClean="0">
-                <a:latin typeface="나눔스퀘어라운드 Bold" panose="020B0600000101010101" pitchFamily="50" charset="-127"/>
-                <a:ea typeface="나눔스퀘어라운드 Bold" panose="020B0600000101010101" pitchFamily="50" charset="-127"/>
-              </a:rPr>
-              <a:t>                </a:t>
-            </a:r>
-            <a:r>
-              <a:rPr lang="ko-KR" altLang="en-US" dirty="0" smtClean="0">
-                <a:latin typeface="나눔스퀘어라운드 Bold" panose="020B0600000101010101" pitchFamily="50" charset="-127"/>
-                <a:ea typeface="나눔스퀘어라운드 Bold" panose="020B0600000101010101" pitchFamily="50" charset="-127"/>
-              </a:rPr>
-              <a:t>찾는 쿼리가 </a:t>
-            </a:r>
-            <a:r>
-              <a:rPr lang="en-US" altLang="ko-KR" dirty="0" smtClean="0">
-                <a:latin typeface="나눔스퀘어라운드 Bold" panose="020B0600000101010101" pitchFamily="50" charset="-127"/>
-                <a:ea typeface="나눔스퀘어라운드 Bold" panose="020B0600000101010101" pitchFamily="50" charset="-127"/>
-              </a:rPr>
-              <a:t>API </a:t>
-            </a:r>
-            <a:r>
-              <a:rPr lang="ko-KR" altLang="en-US" dirty="0" smtClean="0">
-                <a:latin typeface="나눔스퀘어라운드 Bold" panose="020B0600000101010101" pitchFamily="50" charset="-127"/>
-                <a:ea typeface="나눔스퀘어라운드 Bold" panose="020B0600000101010101" pitchFamily="50" charset="-127"/>
-              </a:rPr>
-              <a:t>호출할 때마다 반복되는</a:t>
-            </a:r>
             <a:endParaRPr lang="en-US" altLang="ko-KR" dirty="0" smtClean="0">
+              <a:solidFill>
+                <a:schemeClr val="tx1">
+                  <a:lumMod val="75000"/>
+                  <a:lumOff val="25000"/>
+                </a:schemeClr>
+              </a:solidFill>
               <a:latin typeface="나눔스퀘어라운드 Bold" panose="020B0600000101010101" pitchFamily="50" charset="-127"/>
               <a:ea typeface="나눔스퀘어라운드 Bold" panose="020B0600000101010101" pitchFamily="50" charset="-127"/>
             </a:endParaRPr>
@@ -6996,6 +6871,12 @@
           <a:p>
             <a:r>
               <a:rPr lang="en-US" altLang="ko-KR" dirty="0">
+                <a:solidFill>
+                  <a:schemeClr val="tx1">
+                    <a:lumMod val="75000"/>
+                    <a:lumOff val="25000"/>
+                  </a:schemeClr>
+                </a:solidFill>
                 <a:latin typeface="나눔스퀘어라운드 Bold" panose="020B0600000101010101" pitchFamily="50" charset="-127"/>
                 <a:ea typeface="나눔스퀘어라운드 Bold" panose="020B0600000101010101" pitchFamily="50" charset="-127"/>
               </a:rPr>
@@ -7003,19 +6884,101 @@
             </a:r>
             <a:r>
               <a:rPr lang="en-US" altLang="ko-KR" dirty="0" smtClean="0">
+                <a:solidFill>
+                  <a:schemeClr val="tx1">
+                    <a:lumMod val="75000"/>
+                    <a:lumOff val="25000"/>
+                  </a:schemeClr>
+                </a:solidFill>
                 <a:latin typeface="나눔스퀘어라운드 Bold" panose="020B0600000101010101" pitchFamily="50" charset="-127"/>
                 <a:ea typeface="나눔스퀘어라운드 Bold" panose="020B0600000101010101" pitchFamily="50" charset="-127"/>
               </a:rPr>
               <a:t>                </a:t>
             </a:r>
             <a:r>
+              <a:rPr lang="en-US" altLang="ko-KR" dirty="0" smtClean="0">
+                <a:solidFill>
+                  <a:schemeClr val="tx1">
+                    <a:lumMod val="75000"/>
+                    <a:lumOff val="25000"/>
+                  </a:schemeClr>
+                </a:solidFill>
+                <a:latin typeface="나눔스퀘어라운드 Bold" panose="020B0600000101010101" pitchFamily="50" charset="-127"/>
+                <a:ea typeface="나눔스퀘어라운드 Bold" panose="020B0600000101010101" pitchFamily="50" charset="-127"/>
+              </a:rPr>
+              <a:t>API </a:t>
+            </a:r>
+            <a:r>
               <a:rPr lang="ko-KR" altLang="en-US" dirty="0" smtClean="0">
+                <a:solidFill>
+                  <a:schemeClr val="tx1">
+                    <a:lumMod val="75000"/>
+                    <a:lumOff val="25000"/>
+                  </a:schemeClr>
+                </a:solidFill>
+                <a:latin typeface="나눔스퀘어라운드 Bold" panose="020B0600000101010101" pitchFamily="50" charset="-127"/>
+                <a:ea typeface="나눔스퀘어라운드 Bold" panose="020B0600000101010101" pitchFamily="50" charset="-127"/>
+              </a:rPr>
+              <a:t>호출할 때마다 반복되는</a:t>
+            </a:r>
+            <a:endParaRPr lang="en-US" altLang="ko-KR" dirty="0" smtClean="0">
+              <a:solidFill>
+                <a:schemeClr val="tx1">
+                  <a:lumMod val="75000"/>
+                  <a:lumOff val="25000"/>
+                </a:schemeClr>
+              </a:solidFill>
+              <a:latin typeface="나눔스퀘어라운드 Bold" panose="020B0600000101010101" pitchFamily="50" charset="-127"/>
+              <a:ea typeface="나눔스퀘어라운드 Bold" panose="020B0600000101010101" pitchFamily="50" charset="-127"/>
+            </a:endParaRPr>
+          </a:p>
+          <a:p>
+            <a:r>
+              <a:rPr lang="en-US" altLang="ko-KR" dirty="0">
+                <a:solidFill>
+                  <a:schemeClr val="tx1">
+                    <a:lumMod val="75000"/>
+                    <a:lumOff val="25000"/>
+                  </a:schemeClr>
+                </a:solidFill>
+                <a:latin typeface="나눔스퀘어라운드 Bold" panose="020B0600000101010101" pitchFamily="50" charset="-127"/>
+                <a:ea typeface="나눔스퀘어라운드 Bold" panose="020B0600000101010101" pitchFamily="50" charset="-127"/>
+              </a:rPr>
+              <a:t> </a:t>
+            </a:r>
+            <a:r>
+              <a:rPr lang="en-US" altLang="ko-KR" dirty="0" smtClean="0">
+                <a:solidFill>
+                  <a:schemeClr val="tx1">
+                    <a:lumMod val="75000"/>
+                    <a:lumOff val="25000"/>
+                  </a:schemeClr>
+                </a:solidFill>
+                <a:latin typeface="나눔스퀘어라운드 Bold" panose="020B0600000101010101" pitchFamily="50" charset="-127"/>
+                <a:ea typeface="나눔스퀘어라운드 Bold" panose="020B0600000101010101" pitchFamily="50" charset="-127"/>
+              </a:rPr>
+              <a:t>                </a:t>
+            </a:r>
+            <a:r>
+              <a:rPr lang="ko-KR" altLang="en-US" dirty="0" smtClean="0">
+                <a:solidFill>
+                  <a:schemeClr val="tx1">
+                    <a:lumMod val="75000"/>
+                    <a:lumOff val="25000"/>
+                  </a:schemeClr>
+                </a:solidFill>
                 <a:latin typeface="나눔스퀘어라운드 Bold" panose="020B0600000101010101" pitchFamily="50" charset="-127"/>
                 <a:ea typeface="나눔스퀘어라운드 Bold" panose="020B0600000101010101" pitchFamily="50" charset="-127"/>
               </a:rPr>
               <a:t>문제를 발견</a:t>
             </a:r>
             <a:endParaRPr lang="en-US" altLang="ko-KR" dirty="0" smtClean="0">
+              <a:solidFill>
+                <a:schemeClr val="tx1">
+                  <a:lumMod val="75000"/>
+                  <a:lumOff val="25000"/>
+                </a:schemeClr>
+              </a:solidFill>
               <a:latin typeface="나눔스퀘어라운드 Bold" panose="020B0600000101010101" pitchFamily="50" charset="-127"/>
               <a:ea typeface="나눔스퀘어라운드 Bold" panose="020B0600000101010101" pitchFamily="50" charset="-127"/>
             </a:endParaRPr>
@@ -7173,21 +7136,42 @@
                 <a:latin typeface="나눔스퀘어라운드 Bold" panose="020B0600000101010101" pitchFamily="50" charset="-127"/>
                 <a:ea typeface="나눔스퀘어라운드 Bold" panose="020B0600000101010101" pitchFamily="50" charset="-127"/>
               </a:rPr>
-              <a:t>모든 요청에 이 들어왔을 때 </a:t>
-            </a:r>
-            <a:r>
-              <a:rPr lang="ko-KR" altLang="en-US" dirty="0" err="1" smtClean="0">
-                <a:latin typeface="나눔스퀘어라운드 Bold" panose="020B0600000101010101" pitchFamily="50" charset="-127"/>
-                <a:ea typeface="나눔스퀘어라운드 Bold" panose="020B0600000101010101" pitchFamily="50" charset="-127"/>
-              </a:rPr>
-              <a:t>인터셉터에서</a:t>
+              <a:t>기능에는 문제가 없지만</a:t>
             </a:r>
             <a:r>
               <a:rPr lang="ko-KR" altLang="en-US" dirty="0" smtClean="0">
                 <a:latin typeface="나눔스퀘어라운드 Bold" panose="020B0600000101010101" pitchFamily="50" charset="-127"/>
                 <a:ea typeface="나눔스퀘어라운드 Bold" panose="020B0600000101010101" pitchFamily="50" charset="-127"/>
               </a:rPr>
-              <a:t> 무조건 실행되고 시작하기 때문에 문제가 발생</a:t>
+              <a:t> </a:t>
+            </a:r>
+            <a:r>
+              <a:rPr lang="en-US" altLang="ko-KR" dirty="0" smtClean="0">
+                <a:latin typeface="나눔스퀘어라운드 Bold" panose="020B0600000101010101" pitchFamily="50" charset="-127"/>
+                <a:ea typeface="나눔스퀘어라운드 Bold" panose="020B0600000101010101" pitchFamily="50" charset="-127"/>
+              </a:rPr>
+              <a:t>DB</a:t>
+            </a:r>
+            <a:r>
+              <a:rPr lang="ko-KR" altLang="en-US" dirty="0" smtClean="0">
+                <a:latin typeface="나눔스퀘어라운드 Bold" panose="020B0600000101010101" pitchFamily="50" charset="-127"/>
+                <a:ea typeface="나눔스퀘어라운드 Bold" panose="020B0600000101010101" pitchFamily="50" charset="-127"/>
+              </a:rPr>
+              <a:t>접근이 </a:t>
+            </a:r>
+            <a:r>
+              <a:rPr lang="ko-KR" altLang="en-US" dirty="0" smtClean="0">
+                <a:latin typeface="나눔스퀘어라운드 Bold" panose="020B0600000101010101" pitchFamily="50" charset="-127"/>
+                <a:ea typeface="나눔스퀘어라운드 Bold" panose="020B0600000101010101" pitchFamily="50" charset="-127"/>
+              </a:rPr>
+              <a:t>너무 많아지는 것이</a:t>
+            </a:r>
+            <a:r>
+              <a:rPr lang="ko-KR" altLang="en-US" dirty="0" smtClean="0">
+                <a:latin typeface="나눔스퀘어라운드 Bold" panose="020B0600000101010101" pitchFamily="50" charset="-127"/>
+                <a:ea typeface="나눔스퀘어라운드 Bold" panose="020B0600000101010101" pitchFamily="50" charset="-127"/>
+              </a:rPr>
+              <a:t> 문제</a:t>
             </a:r>
             <a:endParaRPr lang="en-US" altLang="ko-KR" dirty="0" smtClean="0">
               <a:latin typeface="나눔스퀘어라운드 Bold" panose="020B0600000101010101" pitchFamily="50" charset="-127"/>
@@ -8237,10 +8221,6 @@
               </a:rPr>
               <a:t>개발구성</a:t>
             </a:r>
-            <a:endParaRPr lang="ko-KR" altLang="en-US" b="1" dirty="0">
-              <a:latin typeface="나눔스퀘어라운드 Bold" panose="020B0600000101010101" pitchFamily="50" charset="-127"/>
-              <a:ea typeface="나눔스퀘어라운드 Bold" panose="020B0600000101010101" pitchFamily="50" charset="-127"/>
-            </a:endParaRPr>
           </a:p>
         </p:txBody>
       </p:sp>
